--- a/Stock Purchasing Financial Analysis.pptx
+++ b/Stock Purchasing Financial Analysis.pptx
@@ -8,12 +8,20 @@
     <p:sldId id="256" r:id="rId2"/>
     <p:sldId id="258" r:id="rId3"/>
     <p:sldId id="265" r:id="rId4"/>
-    <p:sldId id="259" r:id="rId5"/>
-    <p:sldId id="260" r:id="rId6"/>
-    <p:sldId id="262" r:id="rId7"/>
-    <p:sldId id="263" r:id="rId8"/>
-    <p:sldId id="261" r:id="rId9"/>
-    <p:sldId id="264" r:id="rId10"/>
+    <p:sldId id="266" r:id="rId5"/>
+    <p:sldId id="267" r:id="rId6"/>
+    <p:sldId id="273" r:id="rId7"/>
+    <p:sldId id="268" r:id="rId8"/>
+    <p:sldId id="269" r:id="rId9"/>
+    <p:sldId id="274" r:id="rId10"/>
+    <p:sldId id="270" r:id="rId11"/>
+    <p:sldId id="271" r:id="rId12"/>
+    <p:sldId id="276" r:id="rId13"/>
+    <p:sldId id="272" r:id="rId14"/>
+    <p:sldId id="259" r:id="rId15"/>
+    <p:sldId id="261" r:id="rId16"/>
+    <p:sldId id="264" r:id="rId17"/>
+    <p:sldId id="277" r:id="rId18"/>
   </p:sldIdLst>
   <p:sldSz cx="12192000" cy="6858000"/>
   <p:notesSz cx="6858000" cy="9144000"/>
@@ -112,6 +120,11 @@
       </a:defRPr>
     </a:lvl9pPr>
   </p:defaultTextStyle>
+  <p:extLst>
+    <p:ext uri="{EFAFB233-063F-42B5-8137-9DF3F51BA10A}">
+      <p15:sldGuideLst xmlns:p15="http://schemas.microsoft.com/office/powerpoint/2012/main"/>
+    </p:ext>
+  </p:extLst>
 </p:presentation>
 </file>
 
@@ -422,7 +435,7 @@
           <a:p>
             <a:fld id="{12241623-A064-4BED-B073-BA4D61433402}" type="datetime1">
               <a:rPr lang="en-US" smtClean="0"/>
-              <a:t>1/18/2021</a:t>
+              <a:t>1/20/2021</a:t>
             </a:fld>
             <a:endParaRPr lang="en-US" dirty="0"/>
           </a:p>
@@ -1233,7 +1246,7 @@
           <a:p>
             <a:fld id="{6F86ED0C-1DA7-41F0-94CF-6218B1FEDFF1}" type="datetime1">
               <a:rPr lang="en-US" smtClean="0"/>
-              <a:t>1/18/2021</a:t>
+              <a:t>1/20/2021</a:t>
             </a:fld>
             <a:endParaRPr lang="en-US" dirty="0"/>
           </a:p>
@@ -1432,7 +1445,7 @@
           <a:p>
             <a:fld id="{EECF02AB-6034-4B88-BC5A-7C17CB0EF809}" type="datetime1">
               <a:rPr lang="en-US" smtClean="0"/>
-              <a:t>1/18/2021</a:t>
+              <a:t>1/20/2021</a:t>
             </a:fld>
             <a:endParaRPr lang="en-US" dirty="0"/>
           </a:p>
@@ -1667,7 +1680,7 @@
           <a:p>
             <a:fld id="{22F3E5F3-28EE-488F-BD53-B744C06C3DEC}" type="datetime1">
               <a:rPr lang="en-US" smtClean="0"/>
-              <a:t>1/18/2021</a:t>
+              <a:t>1/20/2021</a:t>
             </a:fld>
             <a:endParaRPr lang="en-US" dirty="0"/>
           </a:p>
@@ -4360,7 +4373,7 @@
           <a:p>
             <a:fld id="{E72EB70D-CD01-44DA-83B3-8FEB3383D307}" type="datetime1">
               <a:rPr lang="en-US" smtClean="0"/>
-              <a:t>1/18/2021</a:t>
+              <a:t>1/20/2021</a:t>
             </a:fld>
             <a:endParaRPr lang="en-US" dirty="0"/>
           </a:p>
@@ -4556,7 +4569,7 @@
           <a:p>
             <a:fld id="{D0158CFD-9357-46BE-A189-D637A67C8730}" type="datetime1">
               <a:rPr lang="en-US" smtClean="0"/>
-              <a:t>1/18/2021</a:t>
+              <a:t>1/20/2021</a:t>
             </a:fld>
             <a:endParaRPr lang="en-US" dirty="0"/>
           </a:p>
@@ -4945,7 +4958,7 @@
           <a:p>
             <a:fld id="{7B4742EE-B331-4632-BD10-A82FED6B6FC0}" type="datetime1">
               <a:rPr lang="en-US" smtClean="0"/>
-              <a:t>1/18/2021</a:t>
+              <a:t>1/20/2021</a:t>
             </a:fld>
             <a:endParaRPr lang="en-US" dirty="0"/>
           </a:p>
@@ -5111,7 +5124,7 @@
           <a:p>
             <a:fld id="{451BA835-D13F-49F4-8F11-5D576AC65FAD}" type="datetime1">
               <a:rPr lang="en-US" smtClean="0"/>
-              <a:t>1/18/2021</a:t>
+              <a:t>1/20/2021</a:t>
             </a:fld>
             <a:endParaRPr lang="en-US" dirty="0"/>
           </a:p>
@@ -5189,14 +5202,6 @@
 <file path=ppt/slideLayouts/slideLayout7.xml><?xml version="1.0" encoding="utf-8"?>
 <p:sldLayout xmlns:a="http://schemas.openxmlformats.org/drawingml/2006/main" xmlns:r="http://schemas.openxmlformats.org/officeDocument/2006/relationships" xmlns:p="http://schemas.openxmlformats.org/presentationml/2006/main" showMasterSp="0" type="blank" preserve="1">
   <p:cSld name="Blank">
-    <p:bg>
-      <p:bgPr>
-        <a:solidFill>
-          <a:schemeClr val="bg2"/>
-        </a:solidFill>
-        <a:effectLst/>
-      </p:bgPr>
-    </p:bg>
     <p:spTree>
       <p:nvGrpSpPr>
         <p:cNvPr id="1" name=""/>
@@ -5234,7 +5239,7 @@
           <a:p>
             <a:fld id="{ADBD1799-ACB5-4CB2-86A2-5C574F1C8706}" type="datetime1">
               <a:rPr lang="en-US" smtClean="0"/>
-              <a:t>1/18/2021</a:t>
+              <a:t>1/20/2021</a:t>
             </a:fld>
             <a:endParaRPr lang="en-US" dirty="0"/>
           </a:p>
@@ -5544,7 +5549,7 @@
           <a:p>
             <a:fld id="{ED5DD0D6-7A82-473E-879B-C6ECD6CCCFEC}" type="datetime1">
               <a:rPr lang="en-US" smtClean="0"/>
-              <a:t>1/18/2021</a:t>
+              <a:t>1/20/2021</a:t>
             </a:fld>
             <a:endParaRPr lang="en-US" dirty="0"/>
           </a:p>
@@ -5844,7 +5849,7 @@
           <a:p>
             <a:fld id="{D4605E03-BC17-41A7-854C-DFAB672737DC}" type="datetime1">
               <a:rPr lang="en-US" smtClean="0"/>
-              <a:t>1/18/2021</a:t>
+              <a:t>1/20/2021</a:t>
             </a:fld>
             <a:endParaRPr lang="en-US" dirty="0"/>
           </a:p>
@@ -5943,12 +5948,9 @@
 <p:sldMaster xmlns:a="http://schemas.openxmlformats.org/drawingml/2006/main" xmlns:r="http://schemas.openxmlformats.org/officeDocument/2006/relationships" xmlns:p="http://schemas.openxmlformats.org/presentationml/2006/main">
   <p:cSld>
     <p:bg>
-      <p:bgPr>
-        <a:solidFill>
-          <a:schemeClr val="bg2"/>
-        </a:solidFill>
-        <a:effectLst/>
-      </p:bgPr>
+      <p:bgRef idx="1003">
+        <a:schemeClr val="bg2"/>
+      </p:bgRef>
     </p:bg>
     <p:spTree>
       <p:nvGrpSpPr>
@@ -6096,7 +6098,7 @@
           <a:p>
             <a:fld id="{C4408324-A84C-4A45-93B6-78D079CCE772}" type="datetime1">
               <a:rPr lang="en-US" smtClean="0"/>
-              <a:t>1/18/2021</a:t>
+              <a:t>1/20/2021</a:t>
             </a:fld>
             <a:endParaRPr lang="en-US" dirty="0"/>
           </a:p>
@@ -6237,7 +6239,7 @@
       </p:ext>
     </p:extLst>
   </p:cSld>
-  <p:clrMap bg1="lt1" tx1="dk1" bg2="lt2" tx2="dk2" accent1="accent1" accent2="accent2" accent3="accent3" accent4="accent4" accent5="accent5" accent6="accent6" hlink="hlink" folHlink="folHlink"/>
+  <p:clrMap bg1="dk1" tx1="lt1" bg2="dk2" tx2="lt2" accent1="accent1" accent2="accent2" accent3="accent3" accent4="accent4" accent5="accent5" accent6="accent6" hlink="hlink" folHlink="folHlink"/>
   <p:sldLayoutIdLst>
     <p:sldLayoutId id="2147483741" r:id="rId1"/>
     <p:sldLayoutId id="2147483742" r:id="rId2"/>
@@ -6564,14 +6566,6 @@
 <file path=ppt/slides/slide1.xml><?xml version="1.0" encoding="utf-8"?>
 <p:sld xmlns:a="http://schemas.openxmlformats.org/drawingml/2006/main" xmlns:r="http://schemas.openxmlformats.org/officeDocument/2006/relationships" xmlns:p="http://schemas.openxmlformats.org/presentationml/2006/main">
   <p:cSld>
-    <p:bg>
-      <p:bgPr>
-        <a:solidFill>
-          <a:schemeClr val="bg2"/>
-        </a:solidFill>
-        <a:effectLst/>
-      </p:bgPr>
-    </p:bg>
     <p:spTree>
       <p:nvGrpSpPr>
         <p:cNvPr id="1" name=""/>
@@ -7353,7 +7347,7 @@
           <a:lstStyle/>
           <a:p>
             <a:r>
-              <a:rPr lang="en-US" dirty="0"/>
+              <a:rPr lang="en-US" b="1" dirty="0"/>
               <a:t>Project 2</a:t>
             </a:r>
           </a:p>
@@ -7394,6 +7388,1650 @@
     <p:extLst>
       <p:ext uri="{BB962C8B-B14F-4D97-AF65-F5344CB8AC3E}">
         <p14:creationId xmlns:p14="http://schemas.microsoft.com/office/powerpoint/2010/main" val="3501870539"/>
+      </p:ext>
+    </p:extLst>
+  </p:cSld>
+  <p:clrMapOvr>
+    <a:masterClrMapping/>
+  </p:clrMapOvr>
+</p:sld>
+</file>
+
+<file path=ppt/slides/slide10.xml><?xml version="1.0" encoding="utf-8"?>
+<p:sld xmlns:a="http://schemas.openxmlformats.org/drawingml/2006/main" xmlns:r="http://schemas.openxmlformats.org/officeDocument/2006/relationships" xmlns:p="http://schemas.openxmlformats.org/presentationml/2006/main">
+  <p:cSld>
+    <p:spTree>
+      <p:nvGrpSpPr>
+        <p:cNvPr id="1" name=""/>
+        <p:cNvGrpSpPr/>
+        <p:nvPr/>
+      </p:nvGrpSpPr>
+      <p:grpSpPr>
+        <a:xfrm>
+          <a:off x="0" y="0"/>
+          <a:ext cx="0" cy="0"/>
+          <a:chOff x="0" y="0"/>
+          <a:chExt cx="0" cy="0"/>
+        </a:xfrm>
+      </p:grpSpPr>
+      <p:sp>
+        <p:nvSpPr>
+          <p:cNvPr id="2" name="Title 1">
+            <a:extLst>
+              <a:ext uri="{FF2B5EF4-FFF2-40B4-BE49-F238E27FC236}">
+                <a16:creationId xmlns:a16="http://schemas.microsoft.com/office/drawing/2014/main" id="{4DB48130-CAB8-49DC-B4A0-BA9D1C21DDB8}"/>
+              </a:ext>
+            </a:extLst>
+          </p:cNvPr>
+          <p:cNvSpPr>
+            <a:spLocks noGrp="1"/>
+          </p:cNvSpPr>
+          <p:nvPr>
+            <p:ph type="title"/>
+          </p:nvPr>
+        </p:nvSpPr>
+        <p:spPr>
+          <a:xfrm>
+            <a:off x="633018" y="321668"/>
+            <a:ext cx="8770571" cy="858099"/>
+          </a:xfrm>
+        </p:spPr>
+        <p:txBody>
+          <a:bodyPr/>
+          <a:lstStyle/>
+          <a:p>
+            <a:r>
+              <a:rPr lang="en-US" dirty="0"/>
+              <a:t>Bank of America Corp (BAC)</a:t>
+            </a:r>
+          </a:p>
+        </p:txBody>
+      </p:sp>
+      <p:pic>
+        <p:nvPicPr>
+          <p:cNvPr id="5" name="Content Placeholder 4">
+            <a:extLst>
+              <a:ext uri="{FF2B5EF4-FFF2-40B4-BE49-F238E27FC236}">
+                <a16:creationId xmlns:a16="http://schemas.microsoft.com/office/drawing/2014/main" id="{92EDE2DF-89E9-46C2-ABD2-D3BDB1EB513E}"/>
+              </a:ext>
+            </a:extLst>
+          </p:cNvPr>
+          <p:cNvPicPr>
+            <a:picLocks noGrp="1" noChangeAspect="1"/>
+          </p:cNvPicPr>
+          <p:nvPr>
+            <p:ph idx="1"/>
+          </p:nvPr>
+        </p:nvPicPr>
+        <p:blipFill>
+          <a:blip r:embed="rId2">
+            <a:extLst>
+              <a:ext uri="{28A0092B-C50C-407E-A947-70E740481C1C}">
+                <a14:useLocalDpi xmlns:a14="http://schemas.microsoft.com/office/drawing/2010/main" val="0"/>
+              </a:ext>
+            </a:extLst>
+          </a:blip>
+          <a:srcRect l="813" r="813"/>
+          <a:stretch/>
+        </p:blipFill>
+        <p:spPr>
+          <a:xfrm>
+            <a:off x="204539" y="2332919"/>
+            <a:ext cx="6046440" cy="2383457"/>
+          </a:xfrm>
+        </p:spPr>
+      </p:pic>
+      <p:pic>
+        <p:nvPicPr>
+          <p:cNvPr id="7" name="Picture 6">
+            <a:extLst>
+              <a:ext uri="{FF2B5EF4-FFF2-40B4-BE49-F238E27FC236}">
+                <a16:creationId xmlns:a16="http://schemas.microsoft.com/office/drawing/2014/main" id="{952167B3-1E75-49B8-9F7D-D05375B7904F}"/>
+              </a:ext>
+            </a:extLst>
+          </p:cNvPr>
+          <p:cNvPicPr>
+            <a:picLocks noChangeAspect="1"/>
+          </p:cNvPicPr>
+          <p:nvPr/>
+        </p:nvPicPr>
+        <p:blipFill>
+          <a:blip r:embed="rId3">
+            <a:extLst>
+              <a:ext uri="{28A0092B-C50C-407E-A947-70E740481C1C}">
+                <a14:useLocalDpi xmlns:a14="http://schemas.microsoft.com/office/drawing/2010/main" val="0"/>
+              </a:ext>
+            </a:extLst>
+          </a:blip>
+          <a:srcRect/>
+          <a:stretch/>
+        </p:blipFill>
+        <p:spPr>
+          <a:xfrm>
+            <a:off x="5728797" y="3864703"/>
+            <a:ext cx="6271590" cy="2743821"/>
+          </a:xfrm>
+          <a:prstGeom prst="rect">
+            <a:avLst/>
+          </a:prstGeom>
+        </p:spPr>
+      </p:pic>
+      <p:sp>
+        <p:nvSpPr>
+          <p:cNvPr id="8" name="Title 1">
+            <a:extLst>
+              <a:ext uri="{FF2B5EF4-FFF2-40B4-BE49-F238E27FC236}">
+                <a16:creationId xmlns:a16="http://schemas.microsoft.com/office/drawing/2014/main" id="{568E1E7D-BFE7-4B92-9962-54C61906B7EF}"/>
+              </a:ext>
+            </a:extLst>
+          </p:cNvPr>
+          <p:cNvSpPr txBox="1">
+            <a:spLocks/>
+          </p:cNvSpPr>
+          <p:nvPr/>
+        </p:nvSpPr>
+        <p:spPr>
+          <a:xfrm>
+            <a:off x="633018" y="1038074"/>
+            <a:ext cx="9141335" cy="858099"/>
+          </a:xfrm>
+          <a:prstGeom prst="rect">
+            <a:avLst/>
+          </a:prstGeom>
+        </p:spPr>
+        <p:txBody>
+          <a:bodyPr vert="horz" lIns="109728" tIns="109728" rIns="109728" bIns="91440" rtlCol="0" anchor="b">
+            <a:normAutofit/>
+          </a:bodyPr>
+          <a:lstStyle>
+            <a:lvl1pPr algn="l" defTabSz="914400" rtl="0" eaLnBrk="1" latinLnBrk="0" hangingPunct="1">
+              <a:lnSpc>
+                <a:spcPct val="130000"/>
+              </a:lnSpc>
+              <a:spcBef>
+                <a:spcPct val="0"/>
+              </a:spcBef>
+              <a:buNone/>
+              <a:defRPr sz="3200" b="1" kern="1200" spc="150" baseline="0">
+                <a:solidFill>
+                  <a:schemeClr val="tx1">
+                    <a:lumMod val="75000"/>
+                    <a:lumOff val="25000"/>
+                  </a:schemeClr>
+                </a:solidFill>
+                <a:latin typeface="+mj-lt"/>
+                <a:ea typeface="+mj-ea"/>
+                <a:cs typeface="+mj-cs"/>
+              </a:defRPr>
+            </a:lvl1pPr>
+          </a:lstStyle>
+          <a:p>
+            <a:r>
+              <a:rPr lang="en-US" sz="2400" i="1" dirty="0"/>
+              <a:t>MACD Signal Plots</a:t>
+            </a:r>
+          </a:p>
+        </p:txBody>
+      </p:sp>
+      <p:cxnSp>
+        <p:nvCxnSpPr>
+          <p:cNvPr id="6" name="Straight Connector 5">
+            <a:extLst>
+              <a:ext uri="{FF2B5EF4-FFF2-40B4-BE49-F238E27FC236}">
+                <a16:creationId xmlns:a16="http://schemas.microsoft.com/office/drawing/2014/main" id="{A5183C3E-4A79-4BB3-A488-35223F83565B}"/>
+              </a:ext>
+            </a:extLst>
+          </p:cNvPr>
+          <p:cNvCxnSpPr>
+            <a:cxnSpLocks/>
+          </p:cNvCxnSpPr>
+          <p:nvPr/>
+        </p:nvCxnSpPr>
+        <p:spPr>
+          <a:xfrm flipH="1">
+            <a:off x="633016" y="2175509"/>
+            <a:ext cx="10774124" cy="0"/>
+          </a:xfrm>
+          <a:prstGeom prst="line">
+            <a:avLst/>
+          </a:prstGeom>
+          <a:ln w="28575">
+            <a:solidFill>
+              <a:schemeClr val="accent6">
+                <a:lumMod val="40000"/>
+                <a:lumOff val="60000"/>
+              </a:schemeClr>
+            </a:solidFill>
+          </a:ln>
+        </p:spPr>
+        <p:style>
+          <a:lnRef idx="3">
+            <a:schemeClr val="dk1"/>
+          </a:lnRef>
+          <a:fillRef idx="0">
+            <a:schemeClr val="dk1"/>
+          </a:fillRef>
+          <a:effectRef idx="2">
+            <a:schemeClr val="dk1"/>
+          </a:effectRef>
+          <a:fontRef idx="minor">
+            <a:schemeClr val="tx1"/>
+          </a:fontRef>
+        </p:style>
+      </p:cxnSp>
+    </p:spTree>
+    <p:extLst>
+      <p:ext uri="{BB962C8B-B14F-4D97-AF65-F5344CB8AC3E}">
+        <p14:creationId xmlns:p14="http://schemas.microsoft.com/office/powerpoint/2010/main" val="2320489497"/>
+      </p:ext>
+    </p:extLst>
+  </p:cSld>
+  <p:clrMapOvr>
+    <a:masterClrMapping/>
+  </p:clrMapOvr>
+</p:sld>
+</file>
+
+<file path=ppt/slides/slide11.xml><?xml version="1.0" encoding="utf-8"?>
+<p:sld xmlns:a="http://schemas.openxmlformats.org/drawingml/2006/main" xmlns:r="http://schemas.openxmlformats.org/officeDocument/2006/relationships" xmlns:p="http://schemas.openxmlformats.org/presentationml/2006/main">
+  <p:cSld>
+    <p:spTree>
+      <p:nvGrpSpPr>
+        <p:cNvPr id="1" name=""/>
+        <p:cNvGrpSpPr/>
+        <p:nvPr/>
+      </p:nvGrpSpPr>
+      <p:grpSpPr>
+        <a:xfrm>
+          <a:off x="0" y="0"/>
+          <a:ext cx="0" cy="0"/>
+          <a:chOff x="0" y="0"/>
+          <a:chExt cx="0" cy="0"/>
+        </a:xfrm>
+      </p:grpSpPr>
+      <p:sp>
+        <p:nvSpPr>
+          <p:cNvPr id="2" name="Title 1">
+            <a:extLst>
+              <a:ext uri="{FF2B5EF4-FFF2-40B4-BE49-F238E27FC236}">
+                <a16:creationId xmlns:a16="http://schemas.microsoft.com/office/drawing/2014/main" id="{4DB48130-CAB8-49DC-B4A0-BA9D1C21DDB8}"/>
+              </a:ext>
+            </a:extLst>
+          </p:cNvPr>
+          <p:cNvSpPr>
+            <a:spLocks noGrp="1"/>
+          </p:cNvSpPr>
+          <p:nvPr>
+            <p:ph type="title"/>
+          </p:nvPr>
+        </p:nvSpPr>
+        <p:spPr>
+          <a:xfrm>
+            <a:off x="633018" y="321668"/>
+            <a:ext cx="8770571" cy="858099"/>
+          </a:xfrm>
+        </p:spPr>
+        <p:txBody>
+          <a:bodyPr/>
+          <a:lstStyle/>
+          <a:p>
+            <a:r>
+              <a:rPr lang="en-US" dirty="0"/>
+              <a:t>Chevron Corporation (CVX)</a:t>
+            </a:r>
+          </a:p>
+        </p:txBody>
+      </p:sp>
+      <p:pic>
+        <p:nvPicPr>
+          <p:cNvPr id="5" name="Content Placeholder 4">
+            <a:extLst>
+              <a:ext uri="{FF2B5EF4-FFF2-40B4-BE49-F238E27FC236}">
+                <a16:creationId xmlns:a16="http://schemas.microsoft.com/office/drawing/2014/main" id="{92EDE2DF-89E9-46C2-ABD2-D3BDB1EB513E}"/>
+              </a:ext>
+            </a:extLst>
+          </p:cNvPr>
+          <p:cNvPicPr>
+            <a:picLocks noGrp="1" noChangeAspect="1"/>
+          </p:cNvPicPr>
+          <p:nvPr>
+            <p:ph idx="1"/>
+          </p:nvPr>
+        </p:nvPicPr>
+        <p:blipFill rotWithShape="1">
+          <a:blip r:embed="rId2">
+            <a:extLst>
+              <a:ext uri="{28A0092B-C50C-407E-A947-70E740481C1C}">
+                <a14:useLocalDpi xmlns:a14="http://schemas.microsoft.com/office/drawing/2010/main" val="0"/>
+              </a:ext>
+            </a:extLst>
+          </a:blip>
+          <a:srcRect l="416" t="978" r="910" b="2536"/>
+          <a:stretch/>
+        </p:blipFill>
+        <p:spPr>
+          <a:xfrm>
+            <a:off x="739139" y="2358253"/>
+            <a:ext cx="9954767" cy="4271147"/>
+          </a:xfrm>
+        </p:spPr>
+      </p:pic>
+      <p:sp>
+        <p:nvSpPr>
+          <p:cNvPr id="8" name="Title 1">
+            <a:extLst>
+              <a:ext uri="{FF2B5EF4-FFF2-40B4-BE49-F238E27FC236}">
+                <a16:creationId xmlns:a16="http://schemas.microsoft.com/office/drawing/2014/main" id="{568E1E7D-BFE7-4B92-9962-54C61906B7EF}"/>
+              </a:ext>
+            </a:extLst>
+          </p:cNvPr>
+          <p:cNvSpPr txBox="1">
+            <a:spLocks/>
+          </p:cNvSpPr>
+          <p:nvPr/>
+        </p:nvSpPr>
+        <p:spPr>
+          <a:xfrm>
+            <a:off x="633018" y="1038074"/>
+            <a:ext cx="9141335" cy="858099"/>
+          </a:xfrm>
+          <a:prstGeom prst="rect">
+            <a:avLst/>
+          </a:prstGeom>
+        </p:spPr>
+        <p:txBody>
+          <a:bodyPr vert="horz" lIns="109728" tIns="109728" rIns="109728" bIns="91440" rtlCol="0" anchor="b">
+            <a:normAutofit/>
+          </a:bodyPr>
+          <a:lstStyle>
+            <a:lvl1pPr algn="l" defTabSz="914400" rtl="0" eaLnBrk="1" latinLnBrk="0" hangingPunct="1">
+              <a:lnSpc>
+                <a:spcPct val="130000"/>
+              </a:lnSpc>
+              <a:spcBef>
+                <a:spcPct val="0"/>
+              </a:spcBef>
+              <a:buNone/>
+              <a:defRPr sz="3200" b="1" kern="1200" spc="150" baseline="0">
+                <a:solidFill>
+                  <a:schemeClr val="tx1">
+                    <a:lumMod val="75000"/>
+                    <a:lumOff val="25000"/>
+                  </a:schemeClr>
+                </a:solidFill>
+                <a:latin typeface="+mj-lt"/>
+                <a:ea typeface="+mj-ea"/>
+                <a:cs typeface="+mj-cs"/>
+              </a:defRPr>
+            </a:lvl1pPr>
+          </a:lstStyle>
+          <a:p>
+            <a:r>
+              <a:rPr lang="en-US" sz="2400" i="1" dirty="0"/>
+              <a:t>Historical Pricing</a:t>
+            </a:r>
+          </a:p>
+        </p:txBody>
+      </p:sp>
+      <p:cxnSp>
+        <p:nvCxnSpPr>
+          <p:cNvPr id="6" name="Straight Connector 5">
+            <a:extLst>
+              <a:ext uri="{FF2B5EF4-FFF2-40B4-BE49-F238E27FC236}">
+                <a16:creationId xmlns:a16="http://schemas.microsoft.com/office/drawing/2014/main" id="{F54307C4-8A99-4546-8FF9-4529BE251C5A}"/>
+              </a:ext>
+            </a:extLst>
+          </p:cNvPr>
+          <p:cNvCxnSpPr>
+            <a:cxnSpLocks/>
+          </p:cNvCxnSpPr>
+          <p:nvPr/>
+        </p:nvCxnSpPr>
+        <p:spPr>
+          <a:xfrm flipH="1">
+            <a:off x="633016" y="2175509"/>
+            <a:ext cx="10774124" cy="0"/>
+          </a:xfrm>
+          <a:prstGeom prst="line">
+            <a:avLst/>
+          </a:prstGeom>
+          <a:ln w="28575">
+            <a:solidFill>
+              <a:schemeClr val="accent6">
+                <a:lumMod val="40000"/>
+                <a:lumOff val="60000"/>
+              </a:schemeClr>
+            </a:solidFill>
+          </a:ln>
+        </p:spPr>
+        <p:style>
+          <a:lnRef idx="3">
+            <a:schemeClr val="dk1"/>
+          </a:lnRef>
+          <a:fillRef idx="0">
+            <a:schemeClr val="dk1"/>
+          </a:fillRef>
+          <a:effectRef idx="2">
+            <a:schemeClr val="dk1"/>
+          </a:effectRef>
+          <a:fontRef idx="minor">
+            <a:schemeClr val="tx1"/>
+          </a:fontRef>
+        </p:style>
+      </p:cxnSp>
+    </p:spTree>
+    <p:extLst>
+      <p:ext uri="{BB962C8B-B14F-4D97-AF65-F5344CB8AC3E}">
+        <p14:creationId xmlns:p14="http://schemas.microsoft.com/office/powerpoint/2010/main" val="409597894"/>
+      </p:ext>
+    </p:extLst>
+  </p:cSld>
+  <p:clrMapOvr>
+    <a:masterClrMapping/>
+  </p:clrMapOvr>
+</p:sld>
+</file>
+
+<file path=ppt/slides/slide12.xml><?xml version="1.0" encoding="utf-8"?>
+<p:sld xmlns:a="http://schemas.openxmlformats.org/drawingml/2006/main" xmlns:r="http://schemas.openxmlformats.org/officeDocument/2006/relationships" xmlns:p="http://schemas.openxmlformats.org/presentationml/2006/main">
+  <p:cSld>
+    <p:spTree>
+      <p:nvGrpSpPr>
+        <p:cNvPr id="1" name=""/>
+        <p:cNvGrpSpPr/>
+        <p:nvPr/>
+      </p:nvGrpSpPr>
+      <p:grpSpPr>
+        <a:xfrm>
+          <a:off x="0" y="0"/>
+          <a:ext cx="0" cy="0"/>
+          <a:chOff x="0" y="0"/>
+          <a:chExt cx="0" cy="0"/>
+        </a:xfrm>
+      </p:grpSpPr>
+      <p:sp>
+        <p:nvSpPr>
+          <p:cNvPr id="2" name="Title 1">
+            <a:extLst>
+              <a:ext uri="{FF2B5EF4-FFF2-40B4-BE49-F238E27FC236}">
+                <a16:creationId xmlns:a16="http://schemas.microsoft.com/office/drawing/2014/main" id="{4DB48130-CAB8-49DC-B4A0-BA9D1C21DDB8}"/>
+              </a:ext>
+            </a:extLst>
+          </p:cNvPr>
+          <p:cNvSpPr>
+            <a:spLocks noGrp="1"/>
+          </p:cNvSpPr>
+          <p:nvPr>
+            <p:ph type="title"/>
+          </p:nvPr>
+        </p:nvSpPr>
+        <p:spPr>
+          <a:xfrm>
+            <a:off x="633018" y="321668"/>
+            <a:ext cx="8770571" cy="858099"/>
+          </a:xfrm>
+        </p:spPr>
+        <p:txBody>
+          <a:bodyPr/>
+          <a:lstStyle/>
+          <a:p>
+            <a:r>
+              <a:rPr lang="en-US" dirty="0"/>
+              <a:t>Chevron Corporation (CVX)</a:t>
+            </a:r>
+          </a:p>
+        </p:txBody>
+      </p:sp>
+      <p:pic>
+        <p:nvPicPr>
+          <p:cNvPr id="5" name="Content Placeholder 4">
+            <a:extLst>
+              <a:ext uri="{FF2B5EF4-FFF2-40B4-BE49-F238E27FC236}">
+                <a16:creationId xmlns:a16="http://schemas.microsoft.com/office/drawing/2014/main" id="{92EDE2DF-89E9-46C2-ABD2-D3BDB1EB513E}"/>
+              </a:ext>
+            </a:extLst>
+          </p:cNvPr>
+          <p:cNvPicPr>
+            <a:picLocks noGrp="1" noChangeAspect="1"/>
+          </p:cNvPicPr>
+          <p:nvPr>
+            <p:ph idx="1"/>
+          </p:nvPr>
+        </p:nvPicPr>
+        <p:blipFill>
+          <a:blip r:embed="rId2">
+            <a:extLst>
+              <a:ext uri="{28A0092B-C50C-407E-A947-70E740481C1C}">
+                <a14:useLocalDpi xmlns:a14="http://schemas.microsoft.com/office/drawing/2010/main" val="0"/>
+              </a:ext>
+            </a:extLst>
+          </a:blip>
+          <a:stretch/>
+        </p:blipFill>
+        <p:spPr>
+          <a:xfrm>
+            <a:off x="633018" y="2358254"/>
+            <a:ext cx="5134449" cy="3782348"/>
+          </a:xfrm>
+        </p:spPr>
+      </p:pic>
+      <p:pic>
+        <p:nvPicPr>
+          <p:cNvPr id="7" name="Picture 6">
+            <a:extLst>
+              <a:ext uri="{FF2B5EF4-FFF2-40B4-BE49-F238E27FC236}">
+                <a16:creationId xmlns:a16="http://schemas.microsoft.com/office/drawing/2014/main" id="{952167B3-1E75-49B8-9F7D-D05375B7904F}"/>
+              </a:ext>
+            </a:extLst>
+          </p:cNvPr>
+          <p:cNvPicPr>
+            <a:picLocks noChangeAspect="1"/>
+          </p:cNvPicPr>
+          <p:nvPr/>
+        </p:nvPicPr>
+        <p:blipFill rotWithShape="1">
+          <a:blip r:embed="rId3">
+            <a:extLst>
+              <a:ext uri="{28A0092B-C50C-407E-A947-70E740481C1C}">
+                <a14:useLocalDpi xmlns:a14="http://schemas.microsoft.com/office/drawing/2010/main" val="0"/>
+              </a:ext>
+            </a:extLst>
+          </a:blip>
+          <a:srcRect l="2737" r="2129"/>
+          <a:stretch/>
+        </p:blipFill>
+        <p:spPr>
+          <a:xfrm>
+            <a:off x="6572250" y="2358252"/>
+            <a:ext cx="5134449" cy="3775848"/>
+          </a:xfrm>
+          <a:prstGeom prst="rect">
+            <a:avLst/>
+          </a:prstGeom>
+        </p:spPr>
+      </p:pic>
+      <p:sp>
+        <p:nvSpPr>
+          <p:cNvPr id="8" name="Title 1">
+            <a:extLst>
+              <a:ext uri="{FF2B5EF4-FFF2-40B4-BE49-F238E27FC236}">
+                <a16:creationId xmlns:a16="http://schemas.microsoft.com/office/drawing/2014/main" id="{568E1E7D-BFE7-4B92-9962-54C61906B7EF}"/>
+              </a:ext>
+            </a:extLst>
+          </p:cNvPr>
+          <p:cNvSpPr txBox="1">
+            <a:spLocks/>
+          </p:cNvSpPr>
+          <p:nvPr/>
+        </p:nvSpPr>
+        <p:spPr>
+          <a:xfrm>
+            <a:off x="633018" y="1038074"/>
+            <a:ext cx="9141335" cy="858099"/>
+          </a:xfrm>
+          <a:prstGeom prst="rect">
+            <a:avLst/>
+          </a:prstGeom>
+        </p:spPr>
+        <p:txBody>
+          <a:bodyPr vert="horz" lIns="109728" tIns="109728" rIns="109728" bIns="91440" rtlCol="0" anchor="b">
+            <a:normAutofit/>
+          </a:bodyPr>
+          <a:lstStyle>
+            <a:lvl1pPr algn="l" defTabSz="914400" rtl="0" eaLnBrk="1" latinLnBrk="0" hangingPunct="1">
+              <a:lnSpc>
+                <a:spcPct val="130000"/>
+              </a:lnSpc>
+              <a:spcBef>
+                <a:spcPct val="0"/>
+              </a:spcBef>
+              <a:buNone/>
+              <a:defRPr sz="3200" b="1" kern="1200" spc="150" baseline="0">
+                <a:solidFill>
+                  <a:schemeClr val="tx1">
+                    <a:lumMod val="75000"/>
+                    <a:lumOff val="25000"/>
+                  </a:schemeClr>
+                </a:solidFill>
+                <a:latin typeface="+mj-lt"/>
+                <a:ea typeface="+mj-ea"/>
+                <a:cs typeface="+mj-cs"/>
+              </a:defRPr>
+            </a:lvl1pPr>
+          </a:lstStyle>
+          <a:p>
+            <a:r>
+              <a:rPr lang="en-US" sz="2400" i="1" dirty="0"/>
+              <a:t>Momentum &amp; RSI</a:t>
+            </a:r>
+          </a:p>
+        </p:txBody>
+      </p:sp>
+      <p:cxnSp>
+        <p:nvCxnSpPr>
+          <p:cNvPr id="6" name="Straight Connector 5">
+            <a:extLst>
+              <a:ext uri="{FF2B5EF4-FFF2-40B4-BE49-F238E27FC236}">
+                <a16:creationId xmlns:a16="http://schemas.microsoft.com/office/drawing/2014/main" id="{D743C3B6-5817-4C8C-9409-BC4E41D73C9A}"/>
+              </a:ext>
+            </a:extLst>
+          </p:cNvPr>
+          <p:cNvCxnSpPr>
+            <a:cxnSpLocks/>
+          </p:cNvCxnSpPr>
+          <p:nvPr/>
+        </p:nvCxnSpPr>
+        <p:spPr>
+          <a:xfrm flipH="1">
+            <a:off x="633016" y="2175509"/>
+            <a:ext cx="10774124" cy="0"/>
+          </a:xfrm>
+          <a:prstGeom prst="line">
+            <a:avLst/>
+          </a:prstGeom>
+          <a:ln w="28575">
+            <a:solidFill>
+              <a:schemeClr val="accent6">
+                <a:lumMod val="40000"/>
+                <a:lumOff val="60000"/>
+              </a:schemeClr>
+            </a:solidFill>
+          </a:ln>
+        </p:spPr>
+        <p:style>
+          <a:lnRef idx="3">
+            <a:schemeClr val="dk1"/>
+          </a:lnRef>
+          <a:fillRef idx="0">
+            <a:schemeClr val="dk1"/>
+          </a:fillRef>
+          <a:effectRef idx="2">
+            <a:schemeClr val="dk1"/>
+          </a:effectRef>
+          <a:fontRef idx="minor">
+            <a:schemeClr val="tx1"/>
+          </a:fontRef>
+        </p:style>
+      </p:cxnSp>
+    </p:spTree>
+    <p:extLst>
+      <p:ext uri="{BB962C8B-B14F-4D97-AF65-F5344CB8AC3E}">
+        <p14:creationId xmlns:p14="http://schemas.microsoft.com/office/powerpoint/2010/main" val="1980408902"/>
+      </p:ext>
+    </p:extLst>
+  </p:cSld>
+  <p:clrMapOvr>
+    <a:masterClrMapping/>
+  </p:clrMapOvr>
+</p:sld>
+</file>
+
+<file path=ppt/slides/slide13.xml><?xml version="1.0" encoding="utf-8"?>
+<p:sld xmlns:a="http://schemas.openxmlformats.org/drawingml/2006/main" xmlns:r="http://schemas.openxmlformats.org/officeDocument/2006/relationships" xmlns:p="http://schemas.openxmlformats.org/presentationml/2006/main">
+  <p:cSld>
+    <p:spTree>
+      <p:nvGrpSpPr>
+        <p:cNvPr id="1" name=""/>
+        <p:cNvGrpSpPr/>
+        <p:nvPr/>
+      </p:nvGrpSpPr>
+      <p:grpSpPr>
+        <a:xfrm>
+          <a:off x="0" y="0"/>
+          <a:ext cx="0" cy="0"/>
+          <a:chOff x="0" y="0"/>
+          <a:chExt cx="0" cy="0"/>
+        </a:xfrm>
+      </p:grpSpPr>
+      <p:sp>
+        <p:nvSpPr>
+          <p:cNvPr id="2" name="Title 1">
+            <a:extLst>
+              <a:ext uri="{FF2B5EF4-FFF2-40B4-BE49-F238E27FC236}">
+                <a16:creationId xmlns:a16="http://schemas.microsoft.com/office/drawing/2014/main" id="{4DB48130-CAB8-49DC-B4A0-BA9D1C21DDB8}"/>
+              </a:ext>
+            </a:extLst>
+          </p:cNvPr>
+          <p:cNvSpPr>
+            <a:spLocks noGrp="1"/>
+          </p:cNvSpPr>
+          <p:nvPr>
+            <p:ph type="title"/>
+          </p:nvPr>
+        </p:nvSpPr>
+        <p:spPr>
+          <a:xfrm>
+            <a:off x="633018" y="321668"/>
+            <a:ext cx="8770571" cy="858099"/>
+          </a:xfrm>
+        </p:spPr>
+        <p:txBody>
+          <a:bodyPr/>
+          <a:lstStyle/>
+          <a:p>
+            <a:r>
+              <a:rPr lang="en-US" dirty="0"/>
+              <a:t>Chevron Corporation (CVX)</a:t>
+            </a:r>
+          </a:p>
+        </p:txBody>
+      </p:sp>
+      <p:pic>
+        <p:nvPicPr>
+          <p:cNvPr id="5" name="Content Placeholder 4">
+            <a:extLst>
+              <a:ext uri="{FF2B5EF4-FFF2-40B4-BE49-F238E27FC236}">
+                <a16:creationId xmlns:a16="http://schemas.microsoft.com/office/drawing/2014/main" id="{92EDE2DF-89E9-46C2-ABD2-D3BDB1EB513E}"/>
+              </a:ext>
+            </a:extLst>
+          </p:cNvPr>
+          <p:cNvPicPr>
+            <a:picLocks noGrp="1" noChangeAspect="1"/>
+          </p:cNvPicPr>
+          <p:nvPr>
+            <p:ph idx="1"/>
+          </p:nvPr>
+        </p:nvPicPr>
+        <p:blipFill>
+          <a:blip r:embed="rId2">
+            <a:extLst>
+              <a:ext uri="{28A0092B-C50C-407E-A947-70E740481C1C}">
+                <a14:useLocalDpi xmlns:a14="http://schemas.microsoft.com/office/drawing/2010/main" val="0"/>
+              </a:ext>
+            </a:extLst>
+          </a:blip>
+          <a:srcRect t="322" b="322"/>
+          <a:stretch/>
+        </p:blipFill>
+        <p:spPr>
+          <a:xfrm>
+            <a:off x="204539" y="2332919"/>
+            <a:ext cx="6046440" cy="2383457"/>
+          </a:xfrm>
+        </p:spPr>
+      </p:pic>
+      <p:pic>
+        <p:nvPicPr>
+          <p:cNvPr id="7" name="Picture 6">
+            <a:extLst>
+              <a:ext uri="{FF2B5EF4-FFF2-40B4-BE49-F238E27FC236}">
+                <a16:creationId xmlns:a16="http://schemas.microsoft.com/office/drawing/2014/main" id="{952167B3-1E75-49B8-9F7D-D05375B7904F}"/>
+              </a:ext>
+            </a:extLst>
+          </p:cNvPr>
+          <p:cNvPicPr>
+            <a:picLocks noChangeAspect="1"/>
+          </p:cNvPicPr>
+          <p:nvPr/>
+        </p:nvPicPr>
+        <p:blipFill>
+          <a:blip r:embed="rId3">
+            <a:extLst>
+              <a:ext uri="{28A0092B-C50C-407E-A947-70E740481C1C}">
+                <a14:useLocalDpi xmlns:a14="http://schemas.microsoft.com/office/drawing/2010/main" val="0"/>
+              </a:ext>
+            </a:extLst>
+          </a:blip>
+          <a:srcRect/>
+          <a:stretch/>
+        </p:blipFill>
+        <p:spPr>
+          <a:xfrm>
+            <a:off x="5748341" y="3864703"/>
+            <a:ext cx="6232501" cy="2743821"/>
+          </a:xfrm>
+          <a:prstGeom prst="rect">
+            <a:avLst/>
+          </a:prstGeom>
+        </p:spPr>
+      </p:pic>
+      <p:sp>
+        <p:nvSpPr>
+          <p:cNvPr id="8" name="Title 1">
+            <a:extLst>
+              <a:ext uri="{FF2B5EF4-FFF2-40B4-BE49-F238E27FC236}">
+                <a16:creationId xmlns:a16="http://schemas.microsoft.com/office/drawing/2014/main" id="{568E1E7D-BFE7-4B92-9962-54C61906B7EF}"/>
+              </a:ext>
+            </a:extLst>
+          </p:cNvPr>
+          <p:cNvSpPr txBox="1">
+            <a:spLocks/>
+          </p:cNvSpPr>
+          <p:nvPr/>
+        </p:nvSpPr>
+        <p:spPr>
+          <a:xfrm>
+            <a:off x="633018" y="1038074"/>
+            <a:ext cx="9141335" cy="858099"/>
+          </a:xfrm>
+          <a:prstGeom prst="rect">
+            <a:avLst/>
+          </a:prstGeom>
+        </p:spPr>
+        <p:txBody>
+          <a:bodyPr vert="horz" lIns="109728" tIns="109728" rIns="109728" bIns="91440" rtlCol="0" anchor="b">
+            <a:normAutofit/>
+          </a:bodyPr>
+          <a:lstStyle>
+            <a:lvl1pPr algn="l" defTabSz="914400" rtl="0" eaLnBrk="1" latinLnBrk="0" hangingPunct="1">
+              <a:lnSpc>
+                <a:spcPct val="130000"/>
+              </a:lnSpc>
+              <a:spcBef>
+                <a:spcPct val="0"/>
+              </a:spcBef>
+              <a:buNone/>
+              <a:defRPr sz="3200" b="1" kern="1200" spc="150" baseline="0">
+                <a:solidFill>
+                  <a:schemeClr val="tx1">
+                    <a:lumMod val="75000"/>
+                    <a:lumOff val="25000"/>
+                  </a:schemeClr>
+                </a:solidFill>
+                <a:latin typeface="+mj-lt"/>
+                <a:ea typeface="+mj-ea"/>
+                <a:cs typeface="+mj-cs"/>
+              </a:defRPr>
+            </a:lvl1pPr>
+          </a:lstStyle>
+          <a:p>
+            <a:r>
+              <a:rPr lang="en-US" sz="2400" i="1" dirty="0"/>
+              <a:t>MACD Signal Plots</a:t>
+            </a:r>
+          </a:p>
+        </p:txBody>
+      </p:sp>
+      <p:cxnSp>
+        <p:nvCxnSpPr>
+          <p:cNvPr id="6" name="Straight Connector 5">
+            <a:extLst>
+              <a:ext uri="{FF2B5EF4-FFF2-40B4-BE49-F238E27FC236}">
+                <a16:creationId xmlns:a16="http://schemas.microsoft.com/office/drawing/2014/main" id="{6797214D-9B2B-476C-95AE-C2C7B3C39725}"/>
+              </a:ext>
+            </a:extLst>
+          </p:cNvPr>
+          <p:cNvCxnSpPr>
+            <a:cxnSpLocks/>
+          </p:cNvCxnSpPr>
+          <p:nvPr/>
+        </p:nvCxnSpPr>
+        <p:spPr>
+          <a:xfrm flipH="1">
+            <a:off x="633016" y="2175509"/>
+            <a:ext cx="10774124" cy="0"/>
+          </a:xfrm>
+          <a:prstGeom prst="line">
+            <a:avLst/>
+          </a:prstGeom>
+          <a:ln w="28575">
+            <a:solidFill>
+              <a:schemeClr val="accent6">
+                <a:lumMod val="40000"/>
+                <a:lumOff val="60000"/>
+              </a:schemeClr>
+            </a:solidFill>
+          </a:ln>
+        </p:spPr>
+        <p:style>
+          <a:lnRef idx="3">
+            <a:schemeClr val="dk1"/>
+          </a:lnRef>
+          <a:fillRef idx="0">
+            <a:schemeClr val="dk1"/>
+          </a:fillRef>
+          <a:effectRef idx="2">
+            <a:schemeClr val="dk1"/>
+          </a:effectRef>
+          <a:fontRef idx="minor">
+            <a:schemeClr val="tx1"/>
+          </a:fontRef>
+        </p:style>
+      </p:cxnSp>
+    </p:spTree>
+    <p:extLst>
+      <p:ext uri="{BB962C8B-B14F-4D97-AF65-F5344CB8AC3E}">
+        <p14:creationId xmlns:p14="http://schemas.microsoft.com/office/powerpoint/2010/main" val="591286641"/>
+      </p:ext>
+    </p:extLst>
+  </p:cSld>
+  <p:clrMapOvr>
+    <a:masterClrMapping/>
+  </p:clrMapOvr>
+</p:sld>
+</file>
+
+<file path=ppt/slides/slide14.xml><?xml version="1.0" encoding="utf-8"?>
+<p:sld xmlns:a="http://schemas.openxmlformats.org/drawingml/2006/main" xmlns:r="http://schemas.openxmlformats.org/officeDocument/2006/relationships" xmlns:p="http://schemas.openxmlformats.org/presentationml/2006/main">
+  <p:cSld>
+    <p:spTree>
+      <p:nvGrpSpPr>
+        <p:cNvPr id="1" name=""/>
+        <p:cNvGrpSpPr/>
+        <p:nvPr/>
+      </p:nvGrpSpPr>
+      <p:grpSpPr>
+        <a:xfrm>
+          <a:off x="0" y="0"/>
+          <a:ext cx="0" cy="0"/>
+          <a:chOff x="0" y="0"/>
+          <a:chExt cx="0" cy="0"/>
+        </a:xfrm>
+      </p:grpSpPr>
+      <p:sp>
+        <p:nvSpPr>
+          <p:cNvPr id="2" name="Title 1">
+            <a:extLst>
+              <a:ext uri="{FF2B5EF4-FFF2-40B4-BE49-F238E27FC236}">
+                <a16:creationId xmlns:a16="http://schemas.microsoft.com/office/drawing/2014/main" id="{CCACECBB-980B-46F0-9CEF-54905FA79AE2}"/>
+              </a:ext>
+            </a:extLst>
+          </p:cNvPr>
+          <p:cNvSpPr>
+            <a:spLocks noGrp="1"/>
+          </p:cNvSpPr>
+          <p:nvPr>
+            <p:ph type="title"/>
+          </p:nvPr>
+        </p:nvSpPr>
+        <p:spPr>
+          <a:xfrm>
+            <a:off x="633016" y="442220"/>
+            <a:ext cx="10057795" cy="1345269"/>
+          </a:xfrm>
+        </p:spPr>
+        <p:txBody>
+          <a:bodyPr/>
+          <a:lstStyle/>
+          <a:p>
+            <a:r>
+              <a:rPr lang="en-US" dirty="0"/>
+              <a:t>Machine Learning</a:t>
+            </a:r>
+          </a:p>
+        </p:txBody>
+      </p:sp>
+      <p:sp>
+        <p:nvSpPr>
+          <p:cNvPr id="3" name="Content Placeholder 2">
+            <a:extLst>
+              <a:ext uri="{FF2B5EF4-FFF2-40B4-BE49-F238E27FC236}">
+                <a16:creationId xmlns:a16="http://schemas.microsoft.com/office/drawing/2014/main" id="{164101CE-1F33-42EB-A124-4F34B9B690A9}"/>
+              </a:ext>
+            </a:extLst>
+          </p:cNvPr>
+          <p:cNvSpPr>
+            <a:spLocks noGrp="1"/>
+          </p:cNvSpPr>
+          <p:nvPr>
+            <p:ph idx="1"/>
+          </p:nvPr>
+        </p:nvSpPr>
+        <p:spPr>
+          <a:xfrm>
+            <a:off x="633016" y="2312276"/>
+            <a:ext cx="10774124" cy="3651504"/>
+          </a:xfrm>
+        </p:spPr>
+        <p:txBody>
+          <a:bodyPr>
+            <a:normAutofit/>
+          </a:bodyPr>
+          <a:lstStyle/>
+          <a:p>
+            <a:r>
+              <a:rPr lang="en-US" dirty="0"/>
+              <a:t>Testing &amp; Training</a:t>
+            </a:r>
+          </a:p>
+          <a:p>
+            <a:pPr lvl="2"/>
+            <a:r>
+              <a:rPr lang="en-US" dirty="0"/>
+              <a:t>We used the data from 2016 – 2019 to train the model, and tested it based on the data from 2020</a:t>
+            </a:r>
+          </a:p>
+          <a:p>
+            <a:endParaRPr lang="en-US" dirty="0"/>
+          </a:p>
+          <a:p>
+            <a:endParaRPr lang="en-US" dirty="0"/>
+          </a:p>
+          <a:p>
+            <a:endParaRPr lang="en-US" dirty="0"/>
+          </a:p>
+        </p:txBody>
+      </p:sp>
+      <p:cxnSp>
+        <p:nvCxnSpPr>
+          <p:cNvPr id="11" name="Straight Connector 10">
+            <a:extLst>
+              <a:ext uri="{FF2B5EF4-FFF2-40B4-BE49-F238E27FC236}">
+                <a16:creationId xmlns:a16="http://schemas.microsoft.com/office/drawing/2014/main" id="{6D66BED3-DE26-495A-8F0E-0EE5850354BD}"/>
+              </a:ext>
+            </a:extLst>
+          </p:cNvPr>
+          <p:cNvCxnSpPr>
+            <a:cxnSpLocks/>
+          </p:cNvCxnSpPr>
+          <p:nvPr/>
+        </p:nvCxnSpPr>
+        <p:spPr>
+          <a:xfrm flipH="1">
+            <a:off x="1287464" y="2175509"/>
+            <a:ext cx="10119676" cy="0"/>
+          </a:xfrm>
+          <a:prstGeom prst="line">
+            <a:avLst/>
+          </a:prstGeom>
+          <a:ln w="28575">
+            <a:solidFill>
+              <a:schemeClr val="bg1">
+                <a:lumMod val="50000"/>
+              </a:schemeClr>
+            </a:solidFill>
+          </a:ln>
+        </p:spPr>
+        <p:style>
+          <a:lnRef idx="3">
+            <a:schemeClr val="dk1"/>
+          </a:lnRef>
+          <a:fillRef idx="0">
+            <a:schemeClr val="dk1"/>
+          </a:fillRef>
+          <a:effectRef idx="2">
+            <a:schemeClr val="dk1"/>
+          </a:effectRef>
+          <a:fontRef idx="minor">
+            <a:schemeClr val="tx1"/>
+          </a:fontRef>
+        </p:style>
+      </p:cxnSp>
+      <p:cxnSp>
+        <p:nvCxnSpPr>
+          <p:cNvPr id="5" name="Straight Connector 4">
+            <a:extLst>
+              <a:ext uri="{FF2B5EF4-FFF2-40B4-BE49-F238E27FC236}">
+                <a16:creationId xmlns:a16="http://schemas.microsoft.com/office/drawing/2014/main" id="{E4FE5778-729F-40EF-878C-928B7ED43C53}"/>
+              </a:ext>
+            </a:extLst>
+          </p:cNvPr>
+          <p:cNvCxnSpPr>
+            <a:cxnSpLocks/>
+          </p:cNvCxnSpPr>
+          <p:nvPr/>
+        </p:nvCxnSpPr>
+        <p:spPr>
+          <a:xfrm flipH="1">
+            <a:off x="633016" y="2175509"/>
+            <a:ext cx="10774124" cy="0"/>
+          </a:xfrm>
+          <a:prstGeom prst="line">
+            <a:avLst/>
+          </a:prstGeom>
+          <a:ln w="28575">
+            <a:solidFill>
+              <a:schemeClr val="accent6">
+                <a:lumMod val="40000"/>
+                <a:lumOff val="60000"/>
+              </a:schemeClr>
+            </a:solidFill>
+          </a:ln>
+        </p:spPr>
+        <p:style>
+          <a:lnRef idx="3">
+            <a:schemeClr val="dk1"/>
+          </a:lnRef>
+          <a:fillRef idx="0">
+            <a:schemeClr val="dk1"/>
+          </a:fillRef>
+          <a:effectRef idx="2">
+            <a:schemeClr val="dk1"/>
+          </a:effectRef>
+          <a:fontRef idx="minor">
+            <a:schemeClr val="tx1"/>
+          </a:fontRef>
+        </p:style>
+      </p:cxnSp>
+    </p:spTree>
+    <p:extLst>
+      <p:ext uri="{BB962C8B-B14F-4D97-AF65-F5344CB8AC3E}">
+        <p14:creationId xmlns:p14="http://schemas.microsoft.com/office/powerpoint/2010/main" val="4207289411"/>
+      </p:ext>
+    </p:extLst>
+  </p:cSld>
+  <p:clrMapOvr>
+    <a:masterClrMapping/>
+  </p:clrMapOvr>
+</p:sld>
+</file>
+
+<file path=ppt/slides/slide15.xml><?xml version="1.0" encoding="utf-8"?>
+<p:sld xmlns:a="http://schemas.openxmlformats.org/drawingml/2006/main" xmlns:r="http://schemas.openxmlformats.org/officeDocument/2006/relationships" xmlns:p="http://schemas.openxmlformats.org/presentationml/2006/main">
+  <p:cSld>
+    <p:spTree>
+      <p:nvGrpSpPr>
+        <p:cNvPr id="1" name=""/>
+        <p:cNvGrpSpPr/>
+        <p:nvPr/>
+      </p:nvGrpSpPr>
+      <p:grpSpPr>
+        <a:xfrm>
+          <a:off x="0" y="0"/>
+          <a:ext cx="0" cy="0"/>
+          <a:chOff x="0" y="0"/>
+          <a:chExt cx="0" cy="0"/>
+        </a:xfrm>
+      </p:grpSpPr>
+      <p:sp>
+        <p:nvSpPr>
+          <p:cNvPr id="2" name="Title 1">
+            <a:extLst>
+              <a:ext uri="{FF2B5EF4-FFF2-40B4-BE49-F238E27FC236}">
+                <a16:creationId xmlns:a16="http://schemas.microsoft.com/office/drawing/2014/main" id="{CCACECBB-980B-46F0-9CEF-54905FA79AE2}"/>
+              </a:ext>
+            </a:extLst>
+          </p:cNvPr>
+          <p:cNvSpPr>
+            <a:spLocks noGrp="1"/>
+          </p:cNvSpPr>
+          <p:nvPr>
+            <p:ph type="title"/>
+          </p:nvPr>
+        </p:nvSpPr>
+        <p:spPr>
+          <a:xfrm>
+            <a:off x="571136" y="442220"/>
+            <a:ext cx="10119676" cy="1345269"/>
+          </a:xfrm>
+        </p:spPr>
+        <p:txBody>
+          <a:bodyPr/>
+          <a:lstStyle/>
+          <a:p>
+            <a:r>
+              <a:rPr lang="en-US" dirty="0"/>
+              <a:t>Testing &amp; Training Data</a:t>
+            </a:r>
+          </a:p>
+        </p:txBody>
+      </p:sp>
+      <p:sp>
+        <p:nvSpPr>
+          <p:cNvPr id="3" name="Content Placeholder 2">
+            <a:extLst>
+              <a:ext uri="{FF2B5EF4-FFF2-40B4-BE49-F238E27FC236}">
+                <a16:creationId xmlns:a16="http://schemas.microsoft.com/office/drawing/2014/main" id="{164101CE-1F33-42EB-A124-4F34B9B690A9}"/>
+              </a:ext>
+            </a:extLst>
+          </p:cNvPr>
+          <p:cNvSpPr>
+            <a:spLocks noGrp="1"/>
+          </p:cNvSpPr>
+          <p:nvPr>
+            <p:ph idx="1"/>
+          </p:nvPr>
+        </p:nvSpPr>
+        <p:spPr>
+          <a:xfrm>
+            <a:off x="633016" y="2312276"/>
+            <a:ext cx="10057795" cy="3651504"/>
+          </a:xfrm>
+        </p:spPr>
+        <p:txBody>
+          <a:bodyPr>
+            <a:normAutofit/>
+          </a:bodyPr>
+          <a:lstStyle/>
+          <a:p>
+            <a:r>
+              <a:rPr lang="en-US" dirty="0"/>
+              <a:t>Insert image of code?</a:t>
+            </a:r>
+          </a:p>
+          <a:p>
+            <a:endParaRPr lang="en-US" dirty="0"/>
+          </a:p>
+          <a:p>
+            <a:endParaRPr lang="en-US" dirty="0"/>
+          </a:p>
+          <a:p>
+            <a:endParaRPr lang="en-US" dirty="0"/>
+          </a:p>
+        </p:txBody>
+      </p:sp>
+      <p:cxnSp>
+        <p:nvCxnSpPr>
+          <p:cNvPr id="11" name="Straight Connector 10">
+            <a:extLst>
+              <a:ext uri="{FF2B5EF4-FFF2-40B4-BE49-F238E27FC236}">
+                <a16:creationId xmlns:a16="http://schemas.microsoft.com/office/drawing/2014/main" id="{6D66BED3-DE26-495A-8F0E-0EE5850354BD}"/>
+              </a:ext>
+            </a:extLst>
+          </p:cNvPr>
+          <p:cNvCxnSpPr>
+            <a:cxnSpLocks/>
+          </p:cNvCxnSpPr>
+          <p:nvPr/>
+        </p:nvCxnSpPr>
+        <p:spPr>
+          <a:xfrm flipH="1">
+            <a:off x="1287464" y="2175509"/>
+            <a:ext cx="10119676" cy="0"/>
+          </a:xfrm>
+          <a:prstGeom prst="line">
+            <a:avLst/>
+          </a:prstGeom>
+          <a:ln w="28575">
+            <a:solidFill>
+              <a:schemeClr val="bg1">
+                <a:lumMod val="50000"/>
+              </a:schemeClr>
+            </a:solidFill>
+          </a:ln>
+        </p:spPr>
+        <p:style>
+          <a:lnRef idx="3">
+            <a:schemeClr val="dk1"/>
+          </a:lnRef>
+          <a:fillRef idx="0">
+            <a:schemeClr val="dk1"/>
+          </a:fillRef>
+          <a:effectRef idx="2">
+            <a:schemeClr val="dk1"/>
+          </a:effectRef>
+          <a:fontRef idx="minor">
+            <a:schemeClr val="tx1"/>
+          </a:fontRef>
+        </p:style>
+      </p:cxnSp>
+      <p:cxnSp>
+        <p:nvCxnSpPr>
+          <p:cNvPr id="5" name="Straight Connector 4">
+            <a:extLst>
+              <a:ext uri="{FF2B5EF4-FFF2-40B4-BE49-F238E27FC236}">
+                <a16:creationId xmlns:a16="http://schemas.microsoft.com/office/drawing/2014/main" id="{91B2AC5C-8971-496C-B0E9-B51EB5D99F61}"/>
+              </a:ext>
+            </a:extLst>
+          </p:cNvPr>
+          <p:cNvCxnSpPr>
+            <a:cxnSpLocks/>
+          </p:cNvCxnSpPr>
+          <p:nvPr/>
+        </p:nvCxnSpPr>
+        <p:spPr>
+          <a:xfrm flipH="1">
+            <a:off x="633016" y="2175509"/>
+            <a:ext cx="10774124" cy="0"/>
+          </a:xfrm>
+          <a:prstGeom prst="line">
+            <a:avLst/>
+          </a:prstGeom>
+          <a:ln w="28575">
+            <a:solidFill>
+              <a:schemeClr val="accent6">
+                <a:lumMod val="40000"/>
+                <a:lumOff val="60000"/>
+              </a:schemeClr>
+            </a:solidFill>
+          </a:ln>
+        </p:spPr>
+        <p:style>
+          <a:lnRef idx="3">
+            <a:schemeClr val="dk1"/>
+          </a:lnRef>
+          <a:fillRef idx="0">
+            <a:schemeClr val="dk1"/>
+          </a:fillRef>
+          <a:effectRef idx="2">
+            <a:schemeClr val="dk1"/>
+          </a:effectRef>
+          <a:fontRef idx="minor">
+            <a:schemeClr val="tx1"/>
+          </a:fontRef>
+        </p:style>
+      </p:cxnSp>
+    </p:spTree>
+    <p:extLst>
+      <p:ext uri="{BB962C8B-B14F-4D97-AF65-F5344CB8AC3E}">
+        <p14:creationId xmlns:p14="http://schemas.microsoft.com/office/powerpoint/2010/main" val="3819660560"/>
+      </p:ext>
+    </p:extLst>
+  </p:cSld>
+  <p:clrMapOvr>
+    <a:masterClrMapping/>
+  </p:clrMapOvr>
+</p:sld>
+</file>
+
+<file path=ppt/slides/slide16.xml><?xml version="1.0" encoding="utf-8"?>
+<p:sld xmlns:a="http://schemas.openxmlformats.org/drawingml/2006/main" xmlns:r="http://schemas.openxmlformats.org/officeDocument/2006/relationships" xmlns:p="http://schemas.openxmlformats.org/presentationml/2006/main">
+  <p:cSld>
+    <p:spTree>
+      <p:nvGrpSpPr>
+        <p:cNvPr id="1" name=""/>
+        <p:cNvGrpSpPr/>
+        <p:nvPr/>
+      </p:nvGrpSpPr>
+      <p:grpSpPr>
+        <a:xfrm>
+          <a:off x="0" y="0"/>
+          <a:ext cx="0" cy="0"/>
+          <a:chOff x="0" y="0"/>
+          <a:chExt cx="0" cy="0"/>
+        </a:xfrm>
+      </p:grpSpPr>
+      <p:sp>
+        <p:nvSpPr>
+          <p:cNvPr id="2" name="Title 1">
+            <a:extLst>
+              <a:ext uri="{FF2B5EF4-FFF2-40B4-BE49-F238E27FC236}">
+                <a16:creationId xmlns:a16="http://schemas.microsoft.com/office/drawing/2014/main" id="{CCACECBB-980B-46F0-9CEF-54905FA79AE2}"/>
+              </a:ext>
+            </a:extLst>
+          </p:cNvPr>
+          <p:cNvSpPr>
+            <a:spLocks noGrp="1"/>
+          </p:cNvSpPr>
+          <p:nvPr>
+            <p:ph type="title"/>
+          </p:nvPr>
+        </p:nvSpPr>
+        <p:spPr>
+          <a:xfrm>
+            <a:off x="633016" y="442220"/>
+            <a:ext cx="10057795" cy="1345269"/>
+          </a:xfrm>
+        </p:spPr>
+        <p:txBody>
+          <a:bodyPr/>
+          <a:lstStyle/>
+          <a:p>
+            <a:r>
+              <a:rPr lang="en-US" dirty="0"/>
+              <a:t>Predictions</a:t>
+            </a:r>
+          </a:p>
+        </p:txBody>
+      </p:sp>
+      <p:sp>
+        <p:nvSpPr>
+          <p:cNvPr id="3" name="Content Placeholder 2">
+            <a:extLst>
+              <a:ext uri="{FF2B5EF4-FFF2-40B4-BE49-F238E27FC236}">
+                <a16:creationId xmlns:a16="http://schemas.microsoft.com/office/drawing/2014/main" id="{164101CE-1F33-42EB-A124-4F34B9B690A9}"/>
+              </a:ext>
+            </a:extLst>
+          </p:cNvPr>
+          <p:cNvSpPr>
+            <a:spLocks noGrp="1"/>
+          </p:cNvSpPr>
+          <p:nvPr>
+            <p:ph idx="1"/>
+          </p:nvPr>
+        </p:nvSpPr>
+        <p:spPr>
+          <a:xfrm>
+            <a:off x="633016" y="2312276"/>
+            <a:ext cx="10057795" cy="3651504"/>
+          </a:xfrm>
+        </p:spPr>
+        <p:txBody>
+          <a:bodyPr>
+            <a:normAutofit/>
+          </a:bodyPr>
+          <a:lstStyle/>
+          <a:p>
+            <a:r>
+              <a:rPr lang="en-US" dirty="0"/>
+              <a:t>Insert image of code?</a:t>
+            </a:r>
+          </a:p>
+          <a:p>
+            <a:endParaRPr lang="en-US" dirty="0"/>
+          </a:p>
+          <a:p>
+            <a:endParaRPr lang="en-US" dirty="0"/>
+          </a:p>
+          <a:p>
+            <a:endParaRPr lang="en-US" dirty="0"/>
+          </a:p>
+        </p:txBody>
+      </p:sp>
+      <p:cxnSp>
+        <p:nvCxnSpPr>
+          <p:cNvPr id="11" name="Straight Connector 10">
+            <a:extLst>
+              <a:ext uri="{FF2B5EF4-FFF2-40B4-BE49-F238E27FC236}">
+                <a16:creationId xmlns:a16="http://schemas.microsoft.com/office/drawing/2014/main" id="{6D66BED3-DE26-495A-8F0E-0EE5850354BD}"/>
+              </a:ext>
+            </a:extLst>
+          </p:cNvPr>
+          <p:cNvCxnSpPr>
+            <a:cxnSpLocks/>
+          </p:cNvCxnSpPr>
+          <p:nvPr/>
+        </p:nvCxnSpPr>
+        <p:spPr>
+          <a:xfrm flipH="1">
+            <a:off x="1287464" y="2175509"/>
+            <a:ext cx="10119676" cy="0"/>
+          </a:xfrm>
+          <a:prstGeom prst="line">
+            <a:avLst/>
+          </a:prstGeom>
+          <a:ln w="28575">
+            <a:solidFill>
+              <a:schemeClr val="bg1">
+                <a:lumMod val="50000"/>
+              </a:schemeClr>
+            </a:solidFill>
+          </a:ln>
+        </p:spPr>
+        <p:style>
+          <a:lnRef idx="3">
+            <a:schemeClr val="dk1"/>
+          </a:lnRef>
+          <a:fillRef idx="0">
+            <a:schemeClr val="dk1"/>
+          </a:fillRef>
+          <a:effectRef idx="2">
+            <a:schemeClr val="dk1"/>
+          </a:effectRef>
+          <a:fontRef idx="minor">
+            <a:schemeClr val="tx1"/>
+          </a:fontRef>
+        </p:style>
+      </p:cxnSp>
+      <p:cxnSp>
+        <p:nvCxnSpPr>
+          <p:cNvPr id="5" name="Straight Connector 4">
+            <a:extLst>
+              <a:ext uri="{FF2B5EF4-FFF2-40B4-BE49-F238E27FC236}">
+                <a16:creationId xmlns:a16="http://schemas.microsoft.com/office/drawing/2014/main" id="{2550B107-1092-45C0-B146-2038FF11EBA2}"/>
+              </a:ext>
+            </a:extLst>
+          </p:cNvPr>
+          <p:cNvCxnSpPr>
+            <a:cxnSpLocks/>
+          </p:cNvCxnSpPr>
+          <p:nvPr/>
+        </p:nvCxnSpPr>
+        <p:spPr>
+          <a:xfrm flipH="1">
+            <a:off x="633016" y="2175509"/>
+            <a:ext cx="10774124" cy="0"/>
+          </a:xfrm>
+          <a:prstGeom prst="line">
+            <a:avLst/>
+          </a:prstGeom>
+          <a:ln w="28575">
+            <a:solidFill>
+              <a:schemeClr val="accent6">
+                <a:lumMod val="40000"/>
+                <a:lumOff val="60000"/>
+              </a:schemeClr>
+            </a:solidFill>
+          </a:ln>
+        </p:spPr>
+        <p:style>
+          <a:lnRef idx="3">
+            <a:schemeClr val="dk1"/>
+          </a:lnRef>
+          <a:fillRef idx="0">
+            <a:schemeClr val="dk1"/>
+          </a:fillRef>
+          <a:effectRef idx="2">
+            <a:schemeClr val="dk1"/>
+          </a:effectRef>
+          <a:fontRef idx="minor">
+            <a:schemeClr val="tx1"/>
+          </a:fontRef>
+        </p:style>
+      </p:cxnSp>
+    </p:spTree>
+    <p:extLst>
+      <p:ext uri="{BB962C8B-B14F-4D97-AF65-F5344CB8AC3E}">
+        <p14:creationId xmlns:p14="http://schemas.microsoft.com/office/powerpoint/2010/main" val="3666671447"/>
+      </p:ext>
+    </p:extLst>
+  </p:cSld>
+  <p:clrMapOvr>
+    <a:masterClrMapping/>
+  </p:clrMapOvr>
+</p:sld>
+</file>
+
+<file path=ppt/slides/slide17.xml><?xml version="1.0" encoding="utf-8"?>
+<p:sld xmlns:a="http://schemas.openxmlformats.org/drawingml/2006/main" xmlns:r="http://schemas.openxmlformats.org/officeDocument/2006/relationships" xmlns:p="http://schemas.openxmlformats.org/presentationml/2006/main">
+  <p:cSld>
+    <p:spTree>
+      <p:nvGrpSpPr>
+        <p:cNvPr id="1" name=""/>
+        <p:cNvGrpSpPr/>
+        <p:nvPr/>
+      </p:nvGrpSpPr>
+      <p:grpSpPr>
+        <a:xfrm>
+          <a:off x="0" y="0"/>
+          <a:ext cx="0" cy="0"/>
+          <a:chOff x="0" y="0"/>
+          <a:chExt cx="0" cy="0"/>
+        </a:xfrm>
+      </p:grpSpPr>
+      <p:sp>
+        <p:nvSpPr>
+          <p:cNvPr id="2" name="Title 1">
+            <a:extLst>
+              <a:ext uri="{FF2B5EF4-FFF2-40B4-BE49-F238E27FC236}">
+                <a16:creationId xmlns:a16="http://schemas.microsoft.com/office/drawing/2014/main" id="{C139A408-E727-46D2-B95E-539B07BFEE08}"/>
+              </a:ext>
+            </a:extLst>
+          </p:cNvPr>
+          <p:cNvSpPr>
+            <a:spLocks noGrp="1"/>
+          </p:cNvSpPr>
+          <p:nvPr>
+            <p:ph type="title"/>
+          </p:nvPr>
+        </p:nvSpPr>
+        <p:spPr>
+          <a:xfrm>
+            <a:off x="633016" y="442220"/>
+            <a:ext cx="10057795" cy="1345269"/>
+          </a:xfrm>
+        </p:spPr>
+        <p:txBody>
+          <a:bodyPr/>
+          <a:lstStyle/>
+          <a:p>
+            <a:r>
+              <a:rPr lang="en-US" dirty="0"/>
+              <a:t>Results</a:t>
+            </a:r>
+          </a:p>
+        </p:txBody>
+      </p:sp>
+      <p:sp>
+        <p:nvSpPr>
+          <p:cNvPr id="3" name="Content Placeholder 2">
+            <a:extLst>
+              <a:ext uri="{FF2B5EF4-FFF2-40B4-BE49-F238E27FC236}">
+                <a16:creationId xmlns:a16="http://schemas.microsoft.com/office/drawing/2014/main" id="{A6C7BD89-C98B-4FBC-B051-02D9422DB345}"/>
+              </a:ext>
+            </a:extLst>
+          </p:cNvPr>
+          <p:cNvSpPr>
+            <a:spLocks noGrp="1"/>
+          </p:cNvSpPr>
+          <p:nvPr>
+            <p:ph idx="1"/>
+          </p:nvPr>
+        </p:nvSpPr>
+        <p:spPr>
+          <a:xfrm>
+            <a:off x="633016" y="2312276"/>
+            <a:ext cx="10057795" cy="3651504"/>
+          </a:xfrm>
+        </p:spPr>
+        <p:txBody>
+          <a:bodyPr/>
+          <a:lstStyle/>
+          <a:p>
+            <a:endParaRPr lang="en-US" dirty="0"/>
+          </a:p>
+        </p:txBody>
+      </p:sp>
+      <p:cxnSp>
+        <p:nvCxnSpPr>
+          <p:cNvPr id="4" name="Straight Connector 3">
+            <a:extLst>
+              <a:ext uri="{FF2B5EF4-FFF2-40B4-BE49-F238E27FC236}">
+                <a16:creationId xmlns:a16="http://schemas.microsoft.com/office/drawing/2014/main" id="{94D8440F-DC70-4266-88B7-8D67C656F744}"/>
+              </a:ext>
+            </a:extLst>
+          </p:cNvPr>
+          <p:cNvCxnSpPr>
+            <a:cxnSpLocks/>
+          </p:cNvCxnSpPr>
+          <p:nvPr/>
+        </p:nvCxnSpPr>
+        <p:spPr>
+          <a:xfrm flipH="1">
+            <a:off x="633016" y="2175509"/>
+            <a:ext cx="10774124" cy="0"/>
+          </a:xfrm>
+          <a:prstGeom prst="line">
+            <a:avLst/>
+          </a:prstGeom>
+          <a:ln w="28575">
+            <a:solidFill>
+              <a:schemeClr val="accent6">
+                <a:lumMod val="40000"/>
+                <a:lumOff val="60000"/>
+              </a:schemeClr>
+            </a:solidFill>
+          </a:ln>
+        </p:spPr>
+        <p:style>
+          <a:lnRef idx="3">
+            <a:schemeClr val="dk1"/>
+          </a:lnRef>
+          <a:fillRef idx="0">
+            <a:schemeClr val="dk1"/>
+          </a:fillRef>
+          <a:effectRef idx="2">
+            <a:schemeClr val="dk1"/>
+          </a:effectRef>
+          <a:fontRef idx="minor">
+            <a:schemeClr val="tx1"/>
+          </a:fontRef>
+        </p:style>
+      </p:cxnSp>
+    </p:spTree>
+    <p:extLst>
+      <p:ext uri="{BB962C8B-B14F-4D97-AF65-F5344CB8AC3E}">
+        <p14:creationId xmlns:p14="http://schemas.microsoft.com/office/powerpoint/2010/main" val="2385247013"/>
       </p:ext>
     </p:extLst>
   </p:cSld>
@@ -7585,8 +9223,55 @@
           </a:prstGeom>
           <a:ln w="28575">
             <a:solidFill>
-              <a:schemeClr val="bg1">
-                <a:lumMod val="50000"/>
+              <a:schemeClr val="accent6">
+                <a:lumMod val="40000"/>
+                <a:lumOff val="60000"/>
+              </a:schemeClr>
+            </a:solidFill>
+          </a:ln>
+        </p:spPr>
+        <p:style>
+          <a:lnRef idx="3">
+            <a:schemeClr val="dk1"/>
+          </a:lnRef>
+          <a:fillRef idx="0">
+            <a:schemeClr val="dk1"/>
+          </a:fillRef>
+          <a:effectRef idx="2">
+            <a:schemeClr val="dk1"/>
+          </a:effectRef>
+          <a:fontRef idx="minor">
+            <a:schemeClr val="tx1"/>
+          </a:fontRef>
+        </p:style>
+      </p:cxnSp>
+      <p:cxnSp>
+        <p:nvCxnSpPr>
+          <p:cNvPr id="5" name="Straight Connector 4">
+            <a:extLst>
+              <a:ext uri="{FF2B5EF4-FFF2-40B4-BE49-F238E27FC236}">
+                <a16:creationId xmlns:a16="http://schemas.microsoft.com/office/drawing/2014/main" id="{07CAE6DE-66AA-4652-AB70-D23B3081F411}"/>
+              </a:ext>
+            </a:extLst>
+          </p:cNvPr>
+          <p:cNvCxnSpPr>
+            <a:cxnSpLocks/>
+          </p:cNvCxnSpPr>
+          <p:nvPr/>
+        </p:nvCxnSpPr>
+        <p:spPr>
+          <a:xfrm flipH="1">
+            <a:off x="633016" y="2175509"/>
+            <a:ext cx="10774124" cy="0"/>
+          </a:xfrm>
+          <a:prstGeom prst="line">
+            <a:avLst/>
+          </a:prstGeom>
+          <a:ln w="28575">
+            <a:solidFill>
+              <a:schemeClr val="accent6">
+                <a:lumMod val="40000"/>
+                <a:lumOff val="60000"/>
               </a:schemeClr>
             </a:solidFill>
           </a:ln>
@@ -7654,8 +9339,8 @@
         </p:nvSpPr>
         <p:spPr>
           <a:xfrm>
-            <a:off x="1184564" y="442220"/>
-            <a:ext cx="9506247" cy="1345269"/>
+            <a:off x="633016" y="442220"/>
+            <a:ext cx="10057795" cy="1345269"/>
           </a:xfrm>
         </p:spPr>
         <p:txBody>
@@ -7664,7 +9349,7 @@
           <a:p>
             <a:r>
               <a:rPr lang="en-US" dirty="0"/>
-              <a:t>3 Key Signals</a:t>
+              <a:t>Stock Analysis</a:t>
             </a:r>
           </a:p>
         </p:txBody>
@@ -7687,80 +9372,81 @@
         </p:nvSpPr>
         <p:spPr>
           <a:xfrm>
-            <a:off x="1184564" y="2312276"/>
-            <a:ext cx="9506247" cy="3651504"/>
+            <a:off x="633016" y="2312275"/>
+            <a:ext cx="10671225" cy="4103501"/>
           </a:xfrm>
         </p:spPr>
         <p:txBody>
           <a:bodyPr>
-            <a:normAutofit fontScale="77500" lnSpcReduction="20000"/>
+            <a:normAutofit fontScale="70000" lnSpcReduction="20000"/>
           </a:bodyPr>
           <a:lstStyle/>
           <a:p>
             <a:r>
-              <a:rPr lang="en-US" dirty="0"/>
-              <a:t>MACD (</a:t>
-            </a:r>
-            <a:r>
-              <a:rPr lang="en-US" b="0" i="0" dirty="0">
-                <a:solidFill>
-                  <a:srgbClr val="111111"/>
-                </a:solidFill>
-                <a:effectLst/>
-                <a:latin typeface="SourceSansPro"/>
-              </a:rPr>
-              <a:t>Moving Average Convergence Divergence)</a:t>
-            </a:r>
-          </a:p>
-          <a:p>
-            <a:pPr lvl="2"/>
-            <a:r>
-              <a:rPr lang="en-US" dirty="0"/>
-              <a:t>Analysis of the difference between the 12-day &amp; 26-day Exponential Moving Average, overlayed on the 9-day Exponential moving Average. Signals are the points at which these lines cross</a:t>
-            </a:r>
-          </a:p>
-          <a:p>
-            <a:r>
-              <a:rPr lang="en-US" dirty="0"/>
-              <a:t>RSI </a:t>
-            </a:r>
-            <a:r>
-              <a:rPr lang="en-US" dirty="0">
-                <a:solidFill>
-                  <a:srgbClr val="111111"/>
-                </a:solidFill>
-                <a:latin typeface="SourceSansPro"/>
-              </a:rPr>
-              <a:t>(Relative Strength Index)</a:t>
-            </a:r>
-          </a:p>
-          <a:p>
-            <a:pPr lvl="2"/>
-            <a:r>
-              <a:rPr lang="en-US" dirty="0"/>
-              <a:t>Evaluation of recent pricing fluctuations to determine whether a security is being overbought or oversold. </a:t>
-            </a:r>
-          </a:p>
-          <a:p>
-            <a:r>
-              <a:rPr lang="en-US" dirty="0"/>
-              <a:t>Momentum</a:t>
-            </a:r>
-          </a:p>
-          <a:p>
-            <a:pPr lvl="2"/>
-            <a:r>
-              <a:rPr lang="en-US" dirty="0"/>
-              <a:t>Acceleration of a security’s price or volume. Relies on short-term movements over fundamental value</a:t>
-            </a:r>
-          </a:p>
-          <a:p>
-            <a:endParaRPr lang="en-US" dirty="0"/>
-          </a:p>
-          <a:p>
-            <a:r>
-              <a:rPr lang="en-US" dirty="0"/>
-              <a:t> </a:t>
+              <a:rPr lang="en-US" sz="2200" b="1" dirty="0"/>
+              <a:t>Hypothesis</a:t>
+            </a:r>
+            <a:endParaRPr lang="en-US" sz="2200" b="1" i="0" dirty="0">
+              <a:solidFill>
+                <a:srgbClr val="111111"/>
+              </a:solidFill>
+              <a:effectLst/>
+              <a:latin typeface="SourceSansPro"/>
+            </a:endParaRPr>
+          </a:p>
+          <a:p>
+            <a:pPr lvl="1"/>
+            <a:r>
+              <a:rPr lang="en-US" sz="2200" dirty="0"/>
+              <a:t>We will use 3 key indicators to be able to make stock purchase and sell recommendations based on historical stock pricing data.</a:t>
+            </a:r>
+          </a:p>
+          <a:p>
+            <a:pPr lvl="1"/>
+            <a:endParaRPr lang="en-US" sz="2200" dirty="0"/>
+          </a:p>
+          <a:p>
+            <a:r>
+              <a:rPr lang="en-US" sz="2200" b="1" dirty="0"/>
+              <a:t>Historical Stock Data from </a:t>
+            </a:r>
+            <a:r>
+              <a:rPr lang="en-US" sz="2200" b="1" dirty="0" err="1"/>
+              <a:t>Yfinance</a:t>
+            </a:r>
+            <a:r>
+              <a:rPr lang="en-US" sz="2200" b="1" dirty="0"/>
+              <a:t> API</a:t>
+            </a:r>
+          </a:p>
+          <a:p>
+            <a:pPr lvl="1"/>
+            <a:r>
+              <a:rPr lang="en-US" sz="2200" dirty="0"/>
+              <a:t>We used a code to generate multiple csv files for a range of the past 5 years</a:t>
+            </a:r>
+          </a:p>
+          <a:p>
+            <a:pPr lvl="1"/>
+            <a:endParaRPr lang="en-US" sz="2200" dirty="0"/>
+          </a:p>
+          <a:p>
+            <a:pPr lvl="1"/>
+            <a:r>
+              <a:rPr lang="en-US" sz="2200" b="1" dirty="0"/>
+              <a:t>Data Range – 5 years</a:t>
+            </a:r>
+          </a:p>
+          <a:p>
+            <a:r>
+              <a:rPr lang="en-US" sz="2200" b="1" dirty="0"/>
+              <a:t>Train Data – 2016 – 2019</a:t>
+            </a:r>
+          </a:p>
+          <a:p>
+            <a:r>
+              <a:rPr lang="en-US" sz="2200" b="1" dirty="0"/>
+              <a:t>Test Data - 2020</a:t>
             </a:r>
           </a:p>
         </p:txBody>
@@ -7789,8 +9475,55 @@
           </a:prstGeom>
           <a:ln w="28575">
             <a:solidFill>
-              <a:schemeClr val="bg1">
-                <a:lumMod val="50000"/>
+              <a:schemeClr val="accent6">
+                <a:lumMod val="40000"/>
+                <a:lumOff val="60000"/>
+              </a:schemeClr>
+            </a:solidFill>
+          </a:ln>
+        </p:spPr>
+        <p:style>
+          <a:lnRef idx="3">
+            <a:schemeClr val="dk1"/>
+          </a:lnRef>
+          <a:fillRef idx="0">
+            <a:schemeClr val="dk1"/>
+          </a:fillRef>
+          <a:effectRef idx="2">
+            <a:schemeClr val="dk1"/>
+          </a:effectRef>
+          <a:fontRef idx="minor">
+            <a:schemeClr val="tx1"/>
+          </a:fontRef>
+        </p:style>
+      </p:cxnSp>
+      <p:cxnSp>
+        <p:nvCxnSpPr>
+          <p:cNvPr id="10" name="Straight Connector 9">
+            <a:extLst>
+              <a:ext uri="{FF2B5EF4-FFF2-40B4-BE49-F238E27FC236}">
+                <a16:creationId xmlns:a16="http://schemas.microsoft.com/office/drawing/2014/main" id="{BEF06B7A-BAD5-40AC-8DC2-B7F7D3C1FF91}"/>
+              </a:ext>
+            </a:extLst>
+          </p:cNvPr>
+          <p:cNvCxnSpPr>
+            <a:cxnSpLocks/>
+          </p:cNvCxnSpPr>
+          <p:nvPr/>
+        </p:nvCxnSpPr>
+        <p:spPr>
+          <a:xfrm flipH="1">
+            <a:off x="633016" y="2175509"/>
+            <a:ext cx="10774124" cy="0"/>
+          </a:xfrm>
+          <a:prstGeom prst="line">
+            <a:avLst/>
+          </a:prstGeom>
+          <a:ln w="28575">
+            <a:solidFill>
+              <a:schemeClr val="accent6">
+                <a:lumMod val="40000"/>
+                <a:lumOff val="60000"/>
               </a:schemeClr>
             </a:solidFill>
           </a:ln>
@@ -7858,8 +9591,8 @@
         </p:nvSpPr>
         <p:spPr>
           <a:xfrm>
-            <a:off x="1184564" y="442220"/>
-            <a:ext cx="9506247" cy="1345269"/>
+            <a:off x="633016" y="442220"/>
+            <a:ext cx="10057795" cy="1345269"/>
           </a:xfrm>
         </p:spPr>
         <p:txBody>
@@ -7868,7 +9601,7 @@
           <a:p>
             <a:r>
               <a:rPr lang="en-US" dirty="0"/>
-              <a:t>Data Gathering</a:t>
+              <a:t>3 Key Signals</a:t>
             </a:r>
           </a:p>
         </p:txBody>
@@ -7891,49 +9624,93 @@
         </p:nvSpPr>
         <p:spPr>
           <a:xfrm>
-            <a:off x="1184564" y="2312276"/>
-            <a:ext cx="10222576" cy="3651504"/>
+            <a:off x="633016" y="2312276"/>
+            <a:ext cx="10057795" cy="3651504"/>
           </a:xfrm>
         </p:spPr>
         <p:txBody>
           <a:bodyPr>
-            <a:normAutofit/>
+            <a:normAutofit fontScale="85000" lnSpcReduction="20000"/>
           </a:bodyPr>
           <a:lstStyle/>
           <a:p>
             <a:r>
               <a:rPr lang="en-US" dirty="0"/>
-              <a:t>Historical Stock Data from </a:t>
-            </a:r>
-            <a:r>
-              <a:rPr lang="en-US" dirty="0" err="1"/>
-              <a:t>Yfinance</a:t>
-            </a:r>
+              <a:t>MACD </a:t>
+            </a:r>
+            <a:r>
+              <a:rPr lang="en-US" dirty="0">
+                <a:solidFill>
+                  <a:schemeClr val="tx1"/>
+                </a:solidFill>
+              </a:rPr>
+              <a:t>(</a:t>
+            </a:r>
+            <a:r>
+              <a:rPr lang="en-US" b="0" i="0" dirty="0">
+                <a:solidFill>
+                  <a:schemeClr val="tx1"/>
+                </a:solidFill>
+                <a:effectLst/>
+                <a:latin typeface="SourceSansPro"/>
+              </a:rPr>
+              <a:t>Moving Average Convergence Divergence)</a:t>
+            </a:r>
+          </a:p>
+          <a:p>
+            <a:pPr lvl="2"/>
             <a:r>
               <a:rPr lang="en-US" dirty="0"/>
-              <a:t> API</a:t>
-            </a:r>
-          </a:p>
-          <a:p>
+              <a:t>Analysis of the difference between the 12-day &amp; 26-day Exponential Moving Average, overlayed on the 9-day Exponential moving Average. Signals are the points at which these lines cross</a:t>
+            </a:r>
+          </a:p>
+          <a:p>
+            <a:r>
+              <a:rPr lang="en-US" dirty="0">
+                <a:solidFill>
+                  <a:schemeClr val="tx1"/>
+                </a:solidFill>
+              </a:rPr>
+              <a:t>RSI </a:t>
+            </a:r>
+            <a:r>
+              <a:rPr lang="en-US" dirty="0">
+                <a:solidFill>
+                  <a:schemeClr val="tx1"/>
+                </a:solidFill>
+                <a:latin typeface="SourceSansPro"/>
+              </a:rPr>
+              <a:t>(Relative Strength Index)</a:t>
+            </a:r>
+          </a:p>
+          <a:p>
+            <a:pPr lvl="2"/>
             <a:r>
               <a:rPr lang="en-US" dirty="0"/>
-              <a:t>CSV Files</a:t>
+              <a:t>Evaluation of recent pricing fluctuations to determine whether a security is being overbought or oversold. </a:t>
             </a:r>
           </a:p>
           <a:p>
             <a:r>
               <a:rPr lang="en-US" dirty="0"/>
-              <a:t>Coding challenges</a:t>
+              <a:t>Momentum</a:t>
+            </a:r>
+          </a:p>
+          <a:p>
+            <a:pPr lvl="2"/>
+            <a:r>
+              <a:rPr lang="en-US" dirty="0"/>
+              <a:t>Acceleration of a security’s price or volume. Relies on short-term movements over fundamental value</a:t>
             </a:r>
           </a:p>
           <a:p>
             <a:endParaRPr lang="en-US" dirty="0"/>
           </a:p>
           <a:p>
-            <a:endParaRPr lang="en-US" dirty="0"/>
-          </a:p>
-          <a:p>
-            <a:endParaRPr lang="en-US" dirty="0"/>
+            <a:r>
+              <a:rPr lang="en-US" dirty="0"/>
+              <a:t> </a:t>
+            </a:r>
           </a:p>
         </p:txBody>
       </p:sp>
@@ -7961,8 +9738,55 @@
           </a:prstGeom>
           <a:ln w="28575">
             <a:solidFill>
-              <a:schemeClr val="bg1">
-                <a:lumMod val="50000"/>
+              <a:schemeClr val="accent6">
+                <a:lumMod val="40000"/>
+                <a:lumOff val="60000"/>
+              </a:schemeClr>
+            </a:solidFill>
+          </a:ln>
+        </p:spPr>
+        <p:style>
+          <a:lnRef idx="3">
+            <a:schemeClr val="dk1"/>
+          </a:lnRef>
+          <a:fillRef idx="0">
+            <a:schemeClr val="dk1"/>
+          </a:fillRef>
+          <a:effectRef idx="2">
+            <a:schemeClr val="dk1"/>
+          </a:effectRef>
+          <a:fontRef idx="minor">
+            <a:schemeClr val="tx1"/>
+          </a:fontRef>
+        </p:style>
+      </p:cxnSp>
+      <p:cxnSp>
+        <p:nvCxnSpPr>
+          <p:cNvPr id="5" name="Straight Connector 4">
+            <a:extLst>
+              <a:ext uri="{FF2B5EF4-FFF2-40B4-BE49-F238E27FC236}">
+                <a16:creationId xmlns:a16="http://schemas.microsoft.com/office/drawing/2014/main" id="{690753EF-CF79-4E04-A7DF-5A90736B60C6}"/>
+              </a:ext>
+            </a:extLst>
+          </p:cNvPr>
+          <p:cNvCxnSpPr>
+            <a:cxnSpLocks/>
+          </p:cNvCxnSpPr>
+          <p:nvPr/>
+        </p:nvCxnSpPr>
+        <p:spPr>
+          <a:xfrm flipH="1">
+            <a:off x="633016" y="2175509"/>
+            <a:ext cx="10774124" cy="0"/>
+          </a:xfrm>
+          <a:prstGeom prst="line">
+            <a:avLst/>
+          </a:prstGeom>
+          <a:ln w="28575">
+            <a:solidFill>
+              <a:schemeClr val="accent6">
+                <a:lumMod val="40000"/>
+                <a:lumOff val="60000"/>
               </a:schemeClr>
             </a:solidFill>
           </a:ln>
@@ -7985,7 +9809,7 @@
     </p:spTree>
     <p:extLst>
       <p:ext uri="{BB962C8B-B14F-4D97-AF65-F5344CB8AC3E}">
-        <p14:creationId xmlns:p14="http://schemas.microsoft.com/office/powerpoint/2010/main" val="4207289411"/>
+        <p14:creationId xmlns:p14="http://schemas.microsoft.com/office/powerpoint/2010/main" val="3952354180"/>
       </p:ext>
     </p:extLst>
   </p:cSld>
@@ -8017,7 +9841,7 @@
           <p:cNvPr id="2" name="Title 1">
             <a:extLst>
               <a:ext uri="{FF2B5EF4-FFF2-40B4-BE49-F238E27FC236}">
-                <a16:creationId xmlns:a16="http://schemas.microsoft.com/office/drawing/2014/main" id="{CCACECBB-980B-46F0-9CEF-54905FA79AE2}"/>
+                <a16:creationId xmlns:a16="http://schemas.microsoft.com/office/drawing/2014/main" id="{4DB48130-CAB8-49DC-B4A0-BA9D1C21DDB8}"/>
               </a:ext>
             </a:extLst>
           </p:cNvPr>
@@ -8030,8 +9854,8 @@
         </p:nvSpPr>
         <p:spPr>
           <a:xfrm>
-            <a:off x="1184564" y="442220"/>
-            <a:ext cx="9506247" cy="1345269"/>
+            <a:off x="633018" y="321668"/>
+            <a:ext cx="8770571" cy="858099"/>
           </a:xfrm>
         </p:spPr>
         <p:txBody>
@@ -8040,55 +9864,109 @@
           <a:p>
             <a:r>
               <a:rPr lang="en-US" dirty="0"/>
-              <a:t>Plotting graphics - ABBV</a:t>
+              <a:t>AbbVie Inc (ABBV)</a:t>
             </a:r>
           </a:p>
         </p:txBody>
       </p:sp>
-      <p:sp>
-        <p:nvSpPr>
-          <p:cNvPr id="3" name="Content Placeholder 2">
-            <a:extLst>
-              <a:ext uri="{FF2B5EF4-FFF2-40B4-BE49-F238E27FC236}">
-                <a16:creationId xmlns:a16="http://schemas.microsoft.com/office/drawing/2014/main" id="{164101CE-1F33-42EB-A124-4F34B9B690A9}"/>
-              </a:ext>
-            </a:extLst>
-          </p:cNvPr>
-          <p:cNvSpPr>
-            <a:spLocks noGrp="1"/>
-          </p:cNvSpPr>
+      <p:pic>
+        <p:nvPicPr>
+          <p:cNvPr id="5" name="Content Placeholder 4" descr="Chart, line chart&#10;&#10;Description automatically generated">
+            <a:extLst>
+              <a:ext uri="{FF2B5EF4-FFF2-40B4-BE49-F238E27FC236}">
+                <a16:creationId xmlns:a16="http://schemas.microsoft.com/office/drawing/2014/main" id="{92EDE2DF-89E9-46C2-ABD2-D3BDB1EB513E}"/>
+              </a:ext>
+            </a:extLst>
+          </p:cNvPr>
+          <p:cNvPicPr>
+            <a:picLocks noGrp="1" noChangeAspect="1"/>
+          </p:cNvPicPr>
           <p:nvPr>
             <p:ph idx="1"/>
           </p:nvPr>
+        </p:nvPicPr>
+        <p:blipFill>
+          <a:blip r:embed="rId2">
+            <a:extLst>
+              <a:ext uri="{28A0092B-C50C-407E-A947-70E740481C1C}">
+                <a14:useLocalDpi xmlns:a14="http://schemas.microsoft.com/office/drawing/2010/main" val="0"/>
+              </a:ext>
+            </a:extLst>
+          </a:blip>
+          <a:stretch>
+            <a:fillRect/>
+          </a:stretch>
+        </p:blipFill>
+        <p:spPr>
+          <a:xfrm>
+            <a:off x="633016" y="2329368"/>
+            <a:ext cx="10054033" cy="4305406"/>
+          </a:xfrm>
+        </p:spPr>
+      </p:pic>
+      <p:sp>
+        <p:nvSpPr>
+          <p:cNvPr id="8" name="Title 1">
+            <a:extLst>
+              <a:ext uri="{FF2B5EF4-FFF2-40B4-BE49-F238E27FC236}">
+                <a16:creationId xmlns:a16="http://schemas.microsoft.com/office/drawing/2014/main" id="{568E1E7D-BFE7-4B92-9962-54C61906B7EF}"/>
+              </a:ext>
+            </a:extLst>
+          </p:cNvPr>
+          <p:cNvSpPr txBox="1">
+            <a:spLocks/>
+          </p:cNvSpPr>
+          <p:nvPr/>
         </p:nvSpPr>
         <p:spPr>
           <a:xfrm>
-            <a:off x="1184564" y="2312276"/>
-            <a:ext cx="9506247" cy="3651504"/>
-          </a:xfrm>
+            <a:off x="633018" y="1038074"/>
+            <a:ext cx="9141335" cy="858099"/>
+          </a:xfrm>
+          <a:prstGeom prst="rect">
+            <a:avLst/>
+          </a:prstGeom>
         </p:spPr>
         <p:txBody>
-          <a:bodyPr>
+          <a:bodyPr vert="horz" lIns="109728" tIns="109728" rIns="109728" bIns="91440" rtlCol="0" anchor="b">
             <a:normAutofit/>
           </a:bodyPr>
-          <a:lstStyle/>
-          <a:p>
-            <a:endParaRPr lang="en-US" dirty="0"/>
-          </a:p>
-          <a:p>
-            <a:endParaRPr lang="en-US" dirty="0"/>
-          </a:p>
-          <a:p>
-            <a:endParaRPr lang="en-US" dirty="0"/>
+          <a:lstStyle>
+            <a:lvl1pPr algn="l" defTabSz="914400" rtl="0" eaLnBrk="1" latinLnBrk="0" hangingPunct="1">
+              <a:lnSpc>
+                <a:spcPct val="130000"/>
+              </a:lnSpc>
+              <a:spcBef>
+                <a:spcPct val="0"/>
+              </a:spcBef>
+              <a:buNone/>
+              <a:defRPr sz="3200" b="1" kern="1200" spc="150" baseline="0">
+                <a:solidFill>
+                  <a:schemeClr val="tx1">
+                    <a:lumMod val="75000"/>
+                    <a:lumOff val="25000"/>
+                  </a:schemeClr>
+                </a:solidFill>
+                <a:latin typeface="+mj-lt"/>
+                <a:ea typeface="+mj-ea"/>
+                <a:cs typeface="+mj-cs"/>
+              </a:defRPr>
+            </a:lvl1pPr>
+          </a:lstStyle>
+          <a:p>
+            <a:r>
+              <a:rPr lang="en-US" sz="2400" i="1" dirty="0"/>
+              <a:t>Historical Pricing</a:t>
+            </a:r>
           </a:p>
         </p:txBody>
       </p:sp>
       <p:cxnSp>
         <p:nvCxnSpPr>
-          <p:cNvPr id="11" name="Straight Connector 10">
-            <a:extLst>
-              <a:ext uri="{FF2B5EF4-FFF2-40B4-BE49-F238E27FC236}">
-                <a16:creationId xmlns:a16="http://schemas.microsoft.com/office/drawing/2014/main" id="{6D66BED3-DE26-495A-8F0E-0EE5850354BD}"/>
+          <p:cNvPr id="9" name="Straight Connector 8">
+            <a:extLst>
+              <a:ext uri="{FF2B5EF4-FFF2-40B4-BE49-F238E27FC236}">
+                <a16:creationId xmlns:a16="http://schemas.microsoft.com/office/drawing/2014/main" id="{572CFAD2-F836-449A-9980-00EA4219AB70}"/>
               </a:ext>
             </a:extLst>
           </p:cNvPr>
@@ -8099,16 +9977,17 @@
         </p:nvCxnSpPr>
         <p:spPr>
           <a:xfrm flipH="1">
-            <a:off x="1287464" y="2175509"/>
-            <a:ext cx="10119676" cy="0"/>
+            <a:off x="633016" y="2175509"/>
+            <a:ext cx="10774124" cy="0"/>
           </a:xfrm>
           <a:prstGeom prst="line">
             <a:avLst/>
           </a:prstGeom>
           <a:ln w="28575">
             <a:solidFill>
-              <a:schemeClr val="bg1">
-                <a:lumMod val="50000"/>
+              <a:schemeClr val="accent6">
+                <a:lumMod val="40000"/>
+                <a:lumOff val="60000"/>
               </a:schemeClr>
             </a:solidFill>
           </a:ln>
@@ -8131,7 +10010,7 @@
     </p:spTree>
     <p:extLst>
       <p:ext uri="{BB962C8B-B14F-4D97-AF65-F5344CB8AC3E}">
-        <p14:creationId xmlns:p14="http://schemas.microsoft.com/office/powerpoint/2010/main" val="1158458427"/>
+        <p14:creationId xmlns:p14="http://schemas.microsoft.com/office/powerpoint/2010/main" val="755981711"/>
       </p:ext>
     </p:extLst>
   </p:cSld>
@@ -8163,7 +10042,7 @@
           <p:cNvPr id="2" name="Title 1">
             <a:extLst>
               <a:ext uri="{FF2B5EF4-FFF2-40B4-BE49-F238E27FC236}">
-                <a16:creationId xmlns:a16="http://schemas.microsoft.com/office/drawing/2014/main" id="{CCACECBB-980B-46F0-9CEF-54905FA79AE2}"/>
+                <a16:creationId xmlns:a16="http://schemas.microsoft.com/office/drawing/2014/main" id="{4DB48130-CAB8-49DC-B4A0-BA9D1C21DDB8}"/>
               </a:ext>
             </a:extLst>
           </p:cNvPr>
@@ -8176,8 +10055,8 @@
         </p:nvSpPr>
         <p:spPr>
           <a:xfrm>
-            <a:off x="1184564" y="442220"/>
-            <a:ext cx="9506247" cy="1345269"/>
+            <a:off x="633018" y="321668"/>
+            <a:ext cx="8770571" cy="858099"/>
           </a:xfrm>
         </p:spPr>
         <p:txBody>
@@ -8186,55 +10065,143 @@
           <a:p>
             <a:r>
               <a:rPr lang="en-US" dirty="0"/>
-              <a:t>Plotting graphics - BAC</a:t>
+              <a:t>AbbVie Inc (ABBV)</a:t>
             </a:r>
           </a:p>
         </p:txBody>
       </p:sp>
-      <p:sp>
-        <p:nvSpPr>
-          <p:cNvPr id="3" name="Content Placeholder 2">
-            <a:extLst>
-              <a:ext uri="{FF2B5EF4-FFF2-40B4-BE49-F238E27FC236}">
-                <a16:creationId xmlns:a16="http://schemas.microsoft.com/office/drawing/2014/main" id="{164101CE-1F33-42EB-A124-4F34B9B690A9}"/>
-              </a:ext>
-            </a:extLst>
-          </p:cNvPr>
-          <p:cNvSpPr>
-            <a:spLocks noGrp="1"/>
-          </p:cNvSpPr>
+      <p:pic>
+        <p:nvPicPr>
+          <p:cNvPr id="5" name="Content Placeholder 4">
+            <a:extLst>
+              <a:ext uri="{FF2B5EF4-FFF2-40B4-BE49-F238E27FC236}">
+                <a16:creationId xmlns:a16="http://schemas.microsoft.com/office/drawing/2014/main" id="{92EDE2DF-89E9-46C2-ABD2-D3BDB1EB513E}"/>
+              </a:ext>
+            </a:extLst>
+          </p:cNvPr>
+          <p:cNvPicPr>
+            <a:picLocks noGrp="1" noChangeAspect="1"/>
+          </p:cNvPicPr>
           <p:nvPr>
             <p:ph idx="1"/>
           </p:nvPr>
+        </p:nvPicPr>
+        <p:blipFill>
+          <a:blip r:embed="rId2">
+            <a:extLst>
+              <a:ext uri="{28A0092B-C50C-407E-A947-70E740481C1C}">
+                <a14:useLocalDpi xmlns:a14="http://schemas.microsoft.com/office/drawing/2010/main" val="0"/>
+              </a:ext>
+            </a:extLst>
+          </a:blip>
+          <a:srcRect/>
+          <a:stretch/>
+        </p:blipFill>
+        <p:spPr>
+          <a:xfrm>
+            <a:off x="742951" y="2329368"/>
+            <a:ext cx="4754178" cy="3495008"/>
+          </a:xfrm>
+        </p:spPr>
+      </p:pic>
+      <p:pic>
+        <p:nvPicPr>
+          <p:cNvPr id="7" name="Picture 6" descr="Chart, line chart&#10;&#10;Description automatically generated">
+            <a:extLst>
+              <a:ext uri="{FF2B5EF4-FFF2-40B4-BE49-F238E27FC236}">
+                <a16:creationId xmlns:a16="http://schemas.microsoft.com/office/drawing/2014/main" id="{952167B3-1E75-49B8-9F7D-D05375B7904F}"/>
+              </a:ext>
+            </a:extLst>
+          </p:cNvPr>
+          <p:cNvPicPr>
+            <a:picLocks noChangeAspect="1"/>
+          </p:cNvPicPr>
+          <p:nvPr/>
+        </p:nvPicPr>
+        <p:blipFill rotWithShape="1">
+          <a:blip r:embed="rId3">
+            <a:extLst>
+              <a:ext uri="{28A0092B-C50C-407E-A947-70E740481C1C}">
+                <a14:useLocalDpi xmlns:a14="http://schemas.microsoft.com/office/drawing/2010/main" val="0"/>
+              </a:ext>
+            </a:extLst>
+          </a:blip>
+          <a:srcRect l="1279" r="8757"/>
+          <a:stretch/>
+        </p:blipFill>
+        <p:spPr>
+          <a:xfrm>
+            <a:off x="6028122" y="2329369"/>
+            <a:ext cx="4754178" cy="3490557"/>
+          </a:xfrm>
+          <a:prstGeom prst="rect">
+            <a:avLst/>
+          </a:prstGeom>
+        </p:spPr>
+      </p:pic>
+      <p:sp>
+        <p:nvSpPr>
+          <p:cNvPr id="8" name="Title 1">
+            <a:extLst>
+              <a:ext uri="{FF2B5EF4-FFF2-40B4-BE49-F238E27FC236}">
+                <a16:creationId xmlns:a16="http://schemas.microsoft.com/office/drawing/2014/main" id="{568E1E7D-BFE7-4B92-9962-54C61906B7EF}"/>
+              </a:ext>
+            </a:extLst>
+          </p:cNvPr>
+          <p:cNvSpPr txBox="1">
+            <a:spLocks/>
+          </p:cNvSpPr>
+          <p:nvPr/>
         </p:nvSpPr>
         <p:spPr>
           <a:xfrm>
-            <a:off x="1184564" y="2312276"/>
-            <a:ext cx="9506247" cy="3651504"/>
-          </a:xfrm>
+            <a:off x="633018" y="1038074"/>
+            <a:ext cx="9141335" cy="858099"/>
+          </a:xfrm>
+          <a:prstGeom prst="rect">
+            <a:avLst/>
+          </a:prstGeom>
         </p:spPr>
         <p:txBody>
-          <a:bodyPr>
+          <a:bodyPr vert="horz" lIns="109728" tIns="109728" rIns="109728" bIns="91440" rtlCol="0" anchor="b">
             <a:normAutofit/>
           </a:bodyPr>
-          <a:lstStyle/>
-          <a:p>
-            <a:endParaRPr lang="en-US" dirty="0"/>
-          </a:p>
-          <a:p>
-            <a:endParaRPr lang="en-US" dirty="0"/>
-          </a:p>
-          <a:p>
-            <a:endParaRPr lang="en-US" dirty="0"/>
+          <a:lstStyle>
+            <a:lvl1pPr algn="l" defTabSz="914400" rtl="0" eaLnBrk="1" latinLnBrk="0" hangingPunct="1">
+              <a:lnSpc>
+                <a:spcPct val="130000"/>
+              </a:lnSpc>
+              <a:spcBef>
+                <a:spcPct val="0"/>
+              </a:spcBef>
+              <a:buNone/>
+              <a:defRPr sz="3200" b="1" kern="1200" spc="150" baseline="0">
+                <a:solidFill>
+                  <a:schemeClr val="tx1">
+                    <a:lumMod val="75000"/>
+                    <a:lumOff val="25000"/>
+                  </a:schemeClr>
+                </a:solidFill>
+                <a:latin typeface="+mj-lt"/>
+                <a:ea typeface="+mj-ea"/>
+                <a:cs typeface="+mj-cs"/>
+              </a:defRPr>
+            </a:lvl1pPr>
+          </a:lstStyle>
+          <a:p>
+            <a:r>
+              <a:rPr lang="en-US" sz="2400" i="1" dirty="0"/>
+              <a:t>Momentum &amp; RSI</a:t>
+            </a:r>
           </a:p>
         </p:txBody>
       </p:sp>
       <p:cxnSp>
         <p:nvCxnSpPr>
-          <p:cNvPr id="11" name="Straight Connector 10">
-            <a:extLst>
-              <a:ext uri="{FF2B5EF4-FFF2-40B4-BE49-F238E27FC236}">
-                <a16:creationId xmlns:a16="http://schemas.microsoft.com/office/drawing/2014/main" id="{6D66BED3-DE26-495A-8F0E-0EE5850354BD}"/>
+          <p:cNvPr id="6" name="Straight Connector 5">
+            <a:extLst>
+              <a:ext uri="{FF2B5EF4-FFF2-40B4-BE49-F238E27FC236}">
+                <a16:creationId xmlns:a16="http://schemas.microsoft.com/office/drawing/2014/main" id="{FF8D9B74-EAEE-44AA-960E-5057927807CA}"/>
               </a:ext>
             </a:extLst>
           </p:cNvPr>
@@ -8245,16 +10212,17 @@
         </p:nvCxnSpPr>
         <p:spPr>
           <a:xfrm flipH="1">
-            <a:off x="1287464" y="2175509"/>
-            <a:ext cx="10119676" cy="0"/>
+            <a:off x="633016" y="2175509"/>
+            <a:ext cx="10774124" cy="0"/>
           </a:xfrm>
           <a:prstGeom prst="line">
             <a:avLst/>
           </a:prstGeom>
           <a:ln w="28575">
             <a:solidFill>
-              <a:schemeClr val="bg1">
-                <a:lumMod val="50000"/>
+              <a:schemeClr val="accent6">
+                <a:lumMod val="40000"/>
+                <a:lumOff val="60000"/>
               </a:schemeClr>
             </a:solidFill>
           </a:ln>
@@ -8277,7 +10245,7 @@
     </p:spTree>
     <p:extLst>
       <p:ext uri="{BB962C8B-B14F-4D97-AF65-F5344CB8AC3E}">
-        <p14:creationId xmlns:p14="http://schemas.microsoft.com/office/powerpoint/2010/main" val="722294365"/>
+        <p14:creationId xmlns:p14="http://schemas.microsoft.com/office/powerpoint/2010/main" val="1291004329"/>
       </p:ext>
     </p:extLst>
   </p:cSld>
@@ -8309,7 +10277,7 @@
           <p:cNvPr id="2" name="Title 1">
             <a:extLst>
               <a:ext uri="{FF2B5EF4-FFF2-40B4-BE49-F238E27FC236}">
-                <a16:creationId xmlns:a16="http://schemas.microsoft.com/office/drawing/2014/main" id="{CCACECBB-980B-46F0-9CEF-54905FA79AE2}"/>
+                <a16:creationId xmlns:a16="http://schemas.microsoft.com/office/drawing/2014/main" id="{4DB48130-CAB8-49DC-B4A0-BA9D1C21DDB8}"/>
               </a:ext>
             </a:extLst>
           </p:cNvPr>
@@ -8322,8 +10290,8 @@
         </p:nvSpPr>
         <p:spPr>
           <a:xfrm>
-            <a:off x="1184564" y="442220"/>
-            <a:ext cx="9506247" cy="1345269"/>
+            <a:off x="633018" y="321668"/>
+            <a:ext cx="8770571" cy="858099"/>
           </a:xfrm>
         </p:spPr>
         <p:txBody>
@@ -8332,98 +10300,141 @@
           <a:p>
             <a:r>
               <a:rPr lang="en-US" dirty="0"/>
-              <a:t>Plotting graphics - CVX</a:t>
+              <a:t>AbbVie Inc (ABBV)</a:t>
             </a:r>
           </a:p>
         </p:txBody>
       </p:sp>
-      <p:sp>
-        <p:nvSpPr>
-          <p:cNvPr id="3" name="Content Placeholder 2">
-            <a:extLst>
-              <a:ext uri="{FF2B5EF4-FFF2-40B4-BE49-F238E27FC236}">
-                <a16:creationId xmlns:a16="http://schemas.microsoft.com/office/drawing/2014/main" id="{164101CE-1F33-42EB-A124-4F34B9B690A9}"/>
-              </a:ext>
-            </a:extLst>
-          </p:cNvPr>
-          <p:cNvSpPr>
-            <a:spLocks noGrp="1"/>
-          </p:cNvSpPr>
+      <p:pic>
+        <p:nvPicPr>
+          <p:cNvPr id="5" name="Content Placeholder 4">
+            <a:extLst>
+              <a:ext uri="{FF2B5EF4-FFF2-40B4-BE49-F238E27FC236}">
+                <a16:creationId xmlns:a16="http://schemas.microsoft.com/office/drawing/2014/main" id="{92EDE2DF-89E9-46C2-ABD2-D3BDB1EB513E}"/>
+              </a:ext>
+            </a:extLst>
+          </p:cNvPr>
+          <p:cNvPicPr>
+            <a:picLocks noGrp="1" noChangeAspect="1"/>
+          </p:cNvPicPr>
           <p:nvPr>
             <p:ph idx="1"/>
           </p:nvPr>
+        </p:nvPicPr>
+        <p:blipFill rotWithShape="1">
+          <a:blip r:embed="rId2">
+            <a:extLst>
+              <a:ext uri="{28A0092B-C50C-407E-A947-70E740481C1C}">
+                <a14:useLocalDpi xmlns:a14="http://schemas.microsoft.com/office/drawing/2010/main" val="0"/>
+              </a:ext>
+            </a:extLst>
+          </a:blip>
+          <a:srcRect l="1641" b="2030"/>
+          <a:stretch/>
+        </p:blipFill>
+        <p:spPr>
+          <a:xfrm>
+            <a:off x="204539" y="2332919"/>
+            <a:ext cx="6046440" cy="2383457"/>
+          </a:xfrm>
+        </p:spPr>
+      </p:pic>
+      <p:pic>
+        <p:nvPicPr>
+          <p:cNvPr id="7" name="Picture 6">
+            <a:extLst>
+              <a:ext uri="{FF2B5EF4-FFF2-40B4-BE49-F238E27FC236}">
+                <a16:creationId xmlns:a16="http://schemas.microsoft.com/office/drawing/2014/main" id="{952167B3-1E75-49B8-9F7D-D05375B7904F}"/>
+              </a:ext>
+            </a:extLst>
+          </p:cNvPr>
+          <p:cNvPicPr>
+            <a:picLocks noChangeAspect="1"/>
+          </p:cNvPicPr>
+          <p:nvPr/>
+        </p:nvPicPr>
+        <p:blipFill>
+          <a:blip r:embed="rId3">
+            <a:extLst>
+              <a:ext uri="{28A0092B-C50C-407E-A947-70E740481C1C}">
+                <a14:useLocalDpi xmlns:a14="http://schemas.microsoft.com/office/drawing/2010/main" val="0"/>
+              </a:ext>
+            </a:extLst>
+          </a:blip>
+          <a:srcRect/>
+          <a:stretch/>
+        </p:blipFill>
+        <p:spPr>
+          <a:xfrm>
+            <a:off x="5660890" y="3864703"/>
+            <a:ext cx="6407404" cy="2743821"/>
+          </a:xfrm>
+          <a:prstGeom prst="rect">
+            <a:avLst/>
+          </a:prstGeom>
+        </p:spPr>
+      </p:pic>
+      <p:sp>
+        <p:nvSpPr>
+          <p:cNvPr id="8" name="Title 1">
+            <a:extLst>
+              <a:ext uri="{FF2B5EF4-FFF2-40B4-BE49-F238E27FC236}">
+                <a16:creationId xmlns:a16="http://schemas.microsoft.com/office/drawing/2014/main" id="{568E1E7D-BFE7-4B92-9962-54C61906B7EF}"/>
+              </a:ext>
+            </a:extLst>
+          </p:cNvPr>
+          <p:cNvSpPr txBox="1">
+            <a:spLocks/>
+          </p:cNvSpPr>
+          <p:nvPr/>
         </p:nvSpPr>
         <p:spPr>
           <a:xfrm>
-            <a:off x="1184564" y="2312276"/>
-            <a:ext cx="9506247" cy="3651504"/>
-          </a:xfrm>
+            <a:off x="633018" y="1038074"/>
+            <a:ext cx="9141335" cy="858099"/>
+          </a:xfrm>
+          <a:prstGeom prst="rect">
+            <a:avLst/>
+          </a:prstGeom>
         </p:spPr>
         <p:txBody>
-          <a:bodyPr>
+          <a:bodyPr vert="horz" lIns="109728" tIns="109728" rIns="109728" bIns="91440" rtlCol="0" anchor="b">
             <a:normAutofit/>
           </a:bodyPr>
-          <a:lstStyle/>
-          <a:p>
-            <a:endParaRPr lang="en-US" dirty="0"/>
-          </a:p>
-          <a:p>
-            <a:endParaRPr lang="en-US" dirty="0"/>
-          </a:p>
-          <a:p>
-            <a:endParaRPr lang="en-US" dirty="0"/>
+          <a:lstStyle>
+            <a:lvl1pPr algn="l" defTabSz="914400" rtl="0" eaLnBrk="1" latinLnBrk="0" hangingPunct="1">
+              <a:lnSpc>
+                <a:spcPct val="130000"/>
+              </a:lnSpc>
+              <a:spcBef>
+                <a:spcPct val="0"/>
+              </a:spcBef>
+              <a:buNone/>
+              <a:defRPr sz="3200" b="1" kern="1200" spc="150" baseline="0">
+                <a:solidFill>
+                  <a:schemeClr val="tx1">
+                    <a:lumMod val="75000"/>
+                    <a:lumOff val="25000"/>
+                  </a:schemeClr>
+                </a:solidFill>
+                <a:latin typeface="+mj-lt"/>
+                <a:ea typeface="+mj-ea"/>
+                <a:cs typeface="+mj-cs"/>
+              </a:defRPr>
+            </a:lvl1pPr>
+          </a:lstStyle>
+          <a:p>
+            <a:r>
+              <a:rPr lang="en-US" sz="2400" i="1" dirty="0"/>
+              <a:t>MACD Signal Plots</a:t>
+            </a:r>
           </a:p>
         </p:txBody>
       </p:sp>
-      <p:cxnSp>
-        <p:nvCxnSpPr>
-          <p:cNvPr id="11" name="Straight Connector 10">
-            <a:extLst>
-              <a:ext uri="{FF2B5EF4-FFF2-40B4-BE49-F238E27FC236}">
-                <a16:creationId xmlns:a16="http://schemas.microsoft.com/office/drawing/2014/main" id="{6D66BED3-DE26-495A-8F0E-0EE5850354BD}"/>
-              </a:ext>
-            </a:extLst>
-          </p:cNvPr>
-          <p:cNvCxnSpPr>
-            <a:cxnSpLocks/>
-          </p:cNvCxnSpPr>
-          <p:nvPr/>
-        </p:nvCxnSpPr>
-        <p:spPr>
-          <a:xfrm flipH="1">
-            <a:off x="1287464" y="2175509"/>
-            <a:ext cx="10119676" cy="0"/>
-          </a:xfrm>
-          <a:prstGeom prst="line">
-            <a:avLst/>
-          </a:prstGeom>
-          <a:ln w="28575">
-            <a:solidFill>
-              <a:schemeClr val="bg1">
-                <a:lumMod val="50000"/>
-              </a:schemeClr>
-            </a:solidFill>
-          </a:ln>
-        </p:spPr>
-        <p:style>
-          <a:lnRef idx="3">
-            <a:schemeClr val="dk1"/>
-          </a:lnRef>
-          <a:fillRef idx="0">
-            <a:schemeClr val="dk1"/>
-          </a:fillRef>
-          <a:effectRef idx="2">
-            <a:schemeClr val="dk1"/>
-          </a:effectRef>
-          <a:fontRef idx="minor">
-            <a:schemeClr val="tx1"/>
-          </a:fontRef>
-        </p:style>
-      </p:cxnSp>
     </p:spTree>
     <p:extLst>
       <p:ext uri="{BB962C8B-B14F-4D97-AF65-F5344CB8AC3E}">
-        <p14:creationId xmlns:p14="http://schemas.microsoft.com/office/powerpoint/2010/main" val="2834111860"/>
+        <p14:creationId xmlns:p14="http://schemas.microsoft.com/office/powerpoint/2010/main" val="1310163329"/>
       </p:ext>
     </p:extLst>
   </p:cSld>
@@ -8455,7 +10466,7 @@
           <p:cNvPr id="2" name="Title 1">
             <a:extLst>
               <a:ext uri="{FF2B5EF4-FFF2-40B4-BE49-F238E27FC236}">
-                <a16:creationId xmlns:a16="http://schemas.microsoft.com/office/drawing/2014/main" id="{CCACECBB-980B-46F0-9CEF-54905FA79AE2}"/>
+                <a16:creationId xmlns:a16="http://schemas.microsoft.com/office/drawing/2014/main" id="{4DB48130-CAB8-49DC-B4A0-BA9D1C21DDB8}"/>
               </a:ext>
             </a:extLst>
           </p:cNvPr>
@@ -8468,8 +10479,8 @@
         </p:nvSpPr>
         <p:spPr>
           <a:xfrm>
-            <a:off x="1184564" y="442220"/>
-            <a:ext cx="9506247" cy="1345269"/>
+            <a:off x="633018" y="321668"/>
+            <a:ext cx="8770571" cy="858099"/>
           </a:xfrm>
         </p:spPr>
         <p:txBody>
@@ -8478,61 +10489,108 @@
           <a:p>
             <a:r>
               <a:rPr lang="en-US" dirty="0"/>
-              <a:t>Testing &amp; Training Data</a:t>
+              <a:t>Bank of America Corp (BAC)</a:t>
             </a:r>
           </a:p>
         </p:txBody>
       </p:sp>
-      <p:sp>
-        <p:nvSpPr>
-          <p:cNvPr id="3" name="Content Placeholder 2">
-            <a:extLst>
-              <a:ext uri="{FF2B5EF4-FFF2-40B4-BE49-F238E27FC236}">
-                <a16:creationId xmlns:a16="http://schemas.microsoft.com/office/drawing/2014/main" id="{164101CE-1F33-42EB-A124-4F34B9B690A9}"/>
-              </a:ext>
-            </a:extLst>
-          </p:cNvPr>
-          <p:cNvSpPr>
-            <a:spLocks noGrp="1"/>
-          </p:cNvSpPr>
+      <p:pic>
+        <p:nvPicPr>
+          <p:cNvPr id="5" name="Content Placeholder 4">
+            <a:extLst>
+              <a:ext uri="{FF2B5EF4-FFF2-40B4-BE49-F238E27FC236}">
+                <a16:creationId xmlns:a16="http://schemas.microsoft.com/office/drawing/2014/main" id="{92EDE2DF-89E9-46C2-ABD2-D3BDB1EB513E}"/>
+              </a:ext>
+            </a:extLst>
+          </p:cNvPr>
+          <p:cNvPicPr>
+            <a:picLocks noGrp="1" noChangeAspect="1"/>
+          </p:cNvPicPr>
           <p:nvPr>
             <p:ph idx="1"/>
           </p:nvPr>
+        </p:nvPicPr>
+        <p:blipFill rotWithShape="1">
+          <a:blip r:embed="rId2">
+            <a:extLst>
+              <a:ext uri="{28A0092B-C50C-407E-A947-70E740481C1C}">
+                <a14:useLocalDpi xmlns:a14="http://schemas.microsoft.com/office/drawing/2010/main" val="0"/>
+              </a:ext>
+            </a:extLst>
+          </a:blip>
+          <a:srcRect l="544" t="2116" r="782" b="2072"/>
+          <a:stretch/>
+        </p:blipFill>
+        <p:spPr>
+          <a:xfrm>
+            <a:off x="746759" y="2385060"/>
+            <a:ext cx="9978391" cy="4261738"/>
+          </a:xfrm>
+        </p:spPr>
+      </p:pic>
+      <p:sp>
+        <p:nvSpPr>
+          <p:cNvPr id="8" name="Title 1">
+            <a:extLst>
+              <a:ext uri="{FF2B5EF4-FFF2-40B4-BE49-F238E27FC236}">
+                <a16:creationId xmlns:a16="http://schemas.microsoft.com/office/drawing/2014/main" id="{568E1E7D-BFE7-4B92-9962-54C61906B7EF}"/>
+              </a:ext>
+            </a:extLst>
+          </p:cNvPr>
+          <p:cNvSpPr txBox="1">
+            <a:spLocks/>
+          </p:cNvSpPr>
+          <p:nvPr/>
         </p:nvSpPr>
         <p:spPr>
           <a:xfrm>
-            <a:off x="1184564" y="2312276"/>
-            <a:ext cx="9506247" cy="3651504"/>
-          </a:xfrm>
+            <a:off x="633018" y="1038074"/>
+            <a:ext cx="9141335" cy="858099"/>
+          </a:xfrm>
+          <a:prstGeom prst="rect">
+            <a:avLst/>
+          </a:prstGeom>
         </p:spPr>
         <p:txBody>
-          <a:bodyPr>
+          <a:bodyPr vert="horz" lIns="109728" tIns="109728" rIns="109728" bIns="91440" rtlCol="0" anchor="b">
             <a:normAutofit/>
           </a:bodyPr>
-          <a:lstStyle/>
-          <a:p>
-            <a:r>
-              <a:rPr lang="en-US" dirty="0"/>
-              <a:t>Insert image of code?</a:t>
-            </a:r>
-          </a:p>
-          <a:p>
-            <a:endParaRPr lang="en-US" dirty="0"/>
-          </a:p>
-          <a:p>
-            <a:endParaRPr lang="en-US" dirty="0"/>
-          </a:p>
-          <a:p>
-            <a:endParaRPr lang="en-US" dirty="0"/>
+          <a:lstStyle>
+            <a:lvl1pPr algn="l" defTabSz="914400" rtl="0" eaLnBrk="1" latinLnBrk="0" hangingPunct="1">
+              <a:lnSpc>
+                <a:spcPct val="130000"/>
+              </a:lnSpc>
+              <a:spcBef>
+                <a:spcPct val="0"/>
+              </a:spcBef>
+              <a:buNone/>
+              <a:defRPr sz="3200" b="1" kern="1200" spc="150" baseline="0">
+                <a:solidFill>
+                  <a:schemeClr val="tx1">
+                    <a:lumMod val="75000"/>
+                    <a:lumOff val="25000"/>
+                  </a:schemeClr>
+                </a:solidFill>
+                <a:latin typeface="+mj-lt"/>
+                <a:ea typeface="+mj-ea"/>
+                <a:cs typeface="+mj-cs"/>
+              </a:defRPr>
+            </a:lvl1pPr>
+          </a:lstStyle>
+          <a:p>
+            <a:r>
+              <a:rPr lang="en-US" sz="2400" i="1" dirty="0"/>
+              <a:t>Historical Pricing</a:t>
+            </a:r>
           </a:p>
         </p:txBody>
       </p:sp>
       <p:cxnSp>
         <p:nvCxnSpPr>
-          <p:cNvPr id="11" name="Straight Connector 10">
-            <a:extLst>
-              <a:ext uri="{FF2B5EF4-FFF2-40B4-BE49-F238E27FC236}">
-                <a16:creationId xmlns:a16="http://schemas.microsoft.com/office/drawing/2014/main" id="{6D66BED3-DE26-495A-8F0E-0EE5850354BD}"/>
+          <p:cNvPr id="6" name="Straight Connector 5">
+            <a:extLst>
+              <a:ext uri="{FF2B5EF4-FFF2-40B4-BE49-F238E27FC236}">
+                <a16:creationId xmlns:a16="http://schemas.microsoft.com/office/drawing/2014/main" id="{64EEBD16-332D-4C2A-84F6-C8BF9A70B0F9}"/>
               </a:ext>
             </a:extLst>
           </p:cNvPr>
@@ -8543,16 +10601,17 @@
         </p:nvCxnSpPr>
         <p:spPr>
           <a:xfrm flipH="1">
-            <a:off x="1287464" y="2175509"/>
-            <a:ext cx="10119676" cy="0"/>
+            <a:off x="633016" y="2175509"/>
+            <a:ext cx="10774124" cy="0"/>
           </a:xfrm>
           <a:prstGeom prst="line">
             <a:avLst/>
           </a:prstGeom>
           <a:ln w="28575">
             <a:solidFill>
-              <a:schemeClr val="bg1">
-                <a:lumMod val="50000"/>
+              <a:schemeClr val="accent6">
+                <a:lumMod val="40000"/>
+                <a:lumOff val="60000"/>
               </a:schemeClr>
             </a:solidFill>
           </a:ln>
@@ -8575,7 +10634,7 @@
     </p:spTree>
     <p:extLst>
       <p:ext uri="{BB962C8B-B14F-4D97-AF65-F5344CB8AC3E}">
-        <p14:creationId xmlns:p14="http://schemas.microsoft.com/office/powerpoint/2010/main" val="3819660560"/>
+        <p14:creationId xmlns:p14="http://schemas.microsoft.com/office/powerpoint/2010/main" val="1677820303"/>
       </p:ext>
     </p:extLst>
   </p:cSld>
@@ -8607,7 +10666,7 @@
           <p:cNvPr id="2" name="Title 1">
             <a:extLst>
               <a:ext uri="{FF2B5EF4-FFF2-40B4-BE49-F238E27FC236}">
-                <a16:creationId xmlns:a16="http://schemas.microsoft.com/office/drawing/2014/main" id="{CCACECBB-980B-46F0-9CEF-54905FA79AE2}"/>
+                <a16:creationId xmlns:a16="http://schemas.microsoft.com/office/drawing/2014/main" id="{4DB48130-CAB8-49DC-B4A0-BA9D1C21DDB8}"/>
               </a:ext>
             </a:extLst>
           </p:cNvPr>
@@ -8620,8 +10679,8 @@
         </p:nvSpPr>
         <p:spPr>
           <a:xfrm>
-            <a:off x="1184564" y="442220"/>
-            <a:ext cx="9506247" cy="1345269"/>
+            <a:off x="633018" y="321668"/>
+            <a:ext cx="8770571" cy="858099"/>
           </a:xfrm>
         </p:spPr>
         <p:txBody>
@@ -8630,61 +10689,142 @@
           <a:p>
             <a:r>
               <a:rPr lang="en-US" dirty="0"/>
-              <a:t>Predictions</a:t>
+              <a:t>Bank of America Corp (BAC)</a:t>
             </a:r>
           </a:p>
         </p:txBody>
       </p:sp>
-      <p:sp>
-        <p:nvSpPr>
-          <p:cNvPr id="3" name="Content Placeholder 2">
-            <a:extLst>
-              <a:ext uri="{FF2B5EF4-FFF2-40B4-BE49-F238E27FC236}">
-                <a16:creationId xmlns:a16="http://schemas.microsoft.com/office/drawing/2014/main" id="{164101CE-1F33-42EB-A124-4F34B9B690A9}"/>
-              </a:ext>
-            </a:extLst>
-          </p:cNvPr>
-          <p:cNvSpPr>
-            <a:spLocks noGrp="1"/>
-          </p:cNvSpPr>
+      <p:pic>
+        <p:nvPicPr>
+          <p:cNvPr id="5" name="Content Placeholder 4">
+            <a:extLst>
+              <a:ext uri="{FF2B5EF4-FFF2-40B4-BE49-F238E27FC236}">
+                <a16:creationId xmlns:a16="http://schemas.microsoft.com/office/drawing/2014/main" id="{92EDE2DF-89E9-46C2-ABD2-D3BDB1EB513E}"/>
+              </a:ext>
+            </a:extLst>
+          </p:cNvPr>
+          <p:cNvPicPr>
+            <a:picLocks noGrp="1" noChangeAspect="1"/>
+          </p:cNvPicPr>
           <p:nvPr>
             <p:ph idx="1"/>
           </p:nvPr>
+        </p:nvPicPr>
+        <p:blipFill>
+          <a:blip r:embed="rId2">
+            <a:extLst>
+              <a:ext uri="{28A0092B-C50C-407E-A947-70E740481C1C}">
+                <a14:useLocalDpi xmlns:a14="http://schemas.microsoft.com/office/drawing/2010/main" val="0"/>
+              </a:ext>
+            </a:extLst>
+          </a:blip>
+          <a:stretch/>
+        </p:blipFill>
+        <p:spPr>
+          <a:xfrm>
+            <a:off x="842009" y="2329369"/>
+            <a:ext cx="4965029" cy="3659347"/>
+          </a:xfrm>
+        </p:spPr>
+      </p:pic>
+      <p:pic>
+        <p:nvPicPr>
+          <p:cNvPr id="7" name="Picture 6">
+            <a:extLst>
+              <a:ext uri="{FF2B5EF4-FFF2-40B4-BE49-F238E27FC236}">
+                <a16:creationId xmlns:a16="http://schemas.microsoft.com/office/drawing/2014/main" id="{952167B3-1E75-49B8-9F7D-D05375B7904F}"/>
+              </a:ext>
+            </a:extLst>
+          </p:cNvPr>
+          <p:cNvPicPr>
+            <a:picLocks noChangeAspect="1"/>
+          </p:cNvPicPr>
+          <p:nvPr/>
+        </p:nvPicPr>
+        <p:blipFill rotWithShape="1">
+          <a:blip r:embed="rId3">
+            <a:extLst>
+              <a:ext uri="{28A0092B-C50C-407E-A947-70E740481C1C}">
+                <a14:useLocalDpi xmlns:a14="http://schemas.microsoft.com/office/drawing/2010/main" val="0"/>
+              </a:ext>
+            </a:extLst>
+          </a:blip>
+          <a:srcRect l="2620" r="3303"/>
+          <a:stretch/>
+        </p:blipFill>
+        <p:spPr>
+          <a:xfrm>
+            <a:off x="6096000" y="2329369"/>
+            <a:ext cx="4819650" cy="3659346"/>
+          </a:xfrm>
+          <a:prstGeom prst="rect">
+            <a:avLst/>
+          </a:prstGeom>
+        </p:spPr>
+      </p:pic>
+      <p:sp>
+        <p:nvSpPr>
+          <p:cNvPr id="8" name="Title 1">
+            <a:extLst>
+              <a:ext uri="{FF2B5EF4-FFF2-40B4-BE49-F238E27FC236}">
+                <a16:creationId xmlns:a16="http://schemas.microsoft.com/office/drawing/2014/main" id="{568E1E7D-BFE7-4B92-9962-54C61906B7EF}"/>
+              </a:ext>
+            </a:extLst>
+          </p:cNvPr>
+          <p:cNvSpPr txBox="1">
+            <a:spLocks/>
+          </p:cNvSpPr>
+          <p:nvPr/>
         </p:nvSpPr>
         <p:spPr>
           <a:xfrm>
-            <a:off x="1184564" y="2312276"/>
-            <a:ext cx="9506247" cy="3651504"/>
-          </a:xfrm>
+            <a:off x="633018" y="1038074"/>
+            <a:ext cx="9141335" cy="858099"/>
+          </a:xfrm>
+          <a:prstGeom prst="rect">
+            <a:avLst/>
+          </a:prstGeom>
         </p:spPr>
         <p:txBody>
-          <a:bodyPr>
+          <a:bodyPr vert="horz" lIns="109728" tIns="109728" rIns="109728" bIns="91440" rtlCol="0" anchor="b">
             <a:normAutofit/>
           </a:bodyPr>
-          <a:lstStyle/>
-          <a:p>
-            <a:r>
-              <a:rPr lang="en-US" dirty="0"/>
-              <a:t>Insert image of code?</a:t>
-            </a:r>
-          </a:p>
-          <a:p>
-            <a:endParaRPr lang="en-US" dirty="0"/>
-          </a:p>
-          <a:p>
-            <a:endParaRPr lang="en-US" dirty="0"/>
-          </a:p>
-          <a:p>
-            <a:endParaRPr lang="en-US" dirty="0"/>
+          <a:lstStyle>
+            <a:lvl1pPr algn="l" defTabSz="914400" rtl="0" eaLnBrk="1" latinLnBrk="0" hangingPunct="1">
+              <a:lnSpc>
+                <a:spcPct val="130000"/>
+              </a:lnSpc>
+              <a:spcBef>
+                <a:spcPct val="0"/>
+              </a:spcBef>
+              <a:buNone/>
+              <a:defRPr sz="3200" b="1" kern="1200" spc="150" baseline="0">
+                <a:solidFill>
+                  <a:schemeClr val="tx1">
+                    <a:lumMod val="75000"/>
+                    <a:lumOff val="25000"/>
+                  </a:schemeClr>
+                </a:solidFill>
+                <a:latin typeface="+mj-lt"/>
+                <a:ea typeface="+mj-ea"/>
+                <a:cs typeface="+mj-cs"/>
+              </a:defRPr>
+            </a:lvl1pPr>
+          </a:lstStyle>
+          <a:p>
+            <a:r>
+              <a:rPr lang="en-US" sz="2400" i="1" dirty="0"/>
+              <a:t>Momentum &amp; RSI</a:t>
+            </a:r>
           </a:p>
         </p:txBody>
       </p:sp>
       <p:cxnSp>
         <p:nvCxnSpPr>
-          <p:cNvPr id="11" name="Straight Connector 10">
-            <a:extLst>
-              <a:ext uri="{FF2B5EF4-FFF2-40B4-BE49-F238E27FC236}">
-                <a16:creationId xmlns:a16="http://schemas.microsoft.com/office/drawing/2014/main" id="{6D66BED3-DE26-495A-8F0E-0EE5850354BD}"/>
+          <p:cNvPr id="6" name="Straight Connector 5">
+            <a:extLst>
+              <a:ext uri="{FF2B5EF4-FFF2-40B4-BE49-F238E27FC236}">
+                <a16:creationId xmlns:a16="http://schemas.microsoft.com/office/drawing/2014/main" id="{964C7FEA-D6DB-496F-B25E-C6B35602ECB2}"/>
               </a:ext>
             </a:extLst>
           </p:cNvPr>
@@ -8695,16 +10835,17 @@
         </p:nvCxnSpPr>
         <p:spPr>
           <a:xfrm flipH="1">
-            <a:off x="1287464" y="2175509"/>
-            <a:ext cx="10119676" cy="0"/>
+            <a:off x="633016" y="2175509"/>
+            <a:ext cx="10774124" cy="0"/>
           </a:xfrm>
           <a:prstGeom prst="line">
             <a:avLst/>
           </a:prstGeom>
           <a:ln w="28575">
             <a:solidFill>
-              <a:schemeClr val="bg1">
-                <a:lumMod val="50000"/>
+              <a:schemeClr val="accent6">
+                <a:lumMod val="40000"/>
+                <a:lumOff val="60000"/>
               </a:schemeClr>
             </a:solidFill>
           </a:ln>
@@ -8727,7 +10868,7 @@
     </p:spTree>
     <p:extLst>
       <p:ext uri="{BB962C8B-B14F-4D97-AF65-F5344CB8AC3E}">
-        <p14:creationId xmlns:p14="http://schemas.microsoft.com/office/powerpoint/2010/main" val="3666671447"/>
+        <p14:creationId xmlns:p14="http://schemas.microsoft.com/office/powerpoint/2010/main" val="1095328035"/>
       </p:ext>
     </p:extLst>
   </p:cSld>
@@ -8790,67 +10931,85 @@
         <a:cs typeface=""/>
       </a:minorFont>
     </a:fontScheme>
-    <a:fmtScheme name="Feathered">
+    <a:fmtScheme name="Office">
       <a:fillStyleLst>
         <a:solidFill>
           <a:schemeClr val="phClr"/>
-        </a:solidFill>
-        <a:solidFill>
-          <a:schemeClr val="phClr">
-            <a:tint val="67000"/>
-            <a:satMod val="105000"/>
-          </a:schemeClr>
         </a:solidFill>
         <a:gradFill rotWithShape="1">
           <a:gsLst>
             <a:gs pos="0">
               <a:schemeClr val="phClr">
-                <a:tint val="94000"/>
-                <a:satMod val="103000"/>
-                <a:lumMod val="102000"/>
+                <a:lumMod val="110000"/>
+                <a:satMod val="105000"/>
+                <a:tint val="67000"/>
               </a:schemeClr>
             </a:gs>
             <a:gs pos="50000">
               <a:schemeClr val="phClr">
-                <a:shade val="100000"/>
-                <a:satMod val="110000"/>
-                <a:lumMod val="100000"/>
+                <a:lumMod val="105000"/>
+                <a:satMod val="103000"/>
+                <a:tint val="73000"/>
               </a:schemeClr>
             </a:gs>
             <a:gs pos="100000">
               <a:schemeClr val="phClr">
-                <a:shade val="70000"/>
-                <a:satMod val="120000"/>
-                <a:lumMod val="99000"/>
+                <a:lumMod val="105000"/>
+                <a:satMod val="109000"/>
+                <a:tint val="81000"/>
               </a:schemeClr>
             </a:gs>
           </a:gsLst>
-          <a:path path="circle">
-            <a:fillToRect l="100000" t="100000" r="100000" b="100000"/>
-          </a:path>
+          <a:lin ang="5400000" scaled="0"/>
+        </a:gradFill>
+        <a:gradFill rotWithShape="1">
+          <a:gsLst>
+            <a:gs pos="0">
+              <a:schemeClr val="phClr">
+                <a:satMod val="103000"/>
+                <a:lumMod val="102000"/>
+                <a:tint val="94000"/>
+              </a:schemeClr>
+            </a:gs>
+            <a:gs pos="50000">
+              <a:schemeClr val="phClr">
+                <a:satMod val="110000"/>
+                <a:lumMod val="100000"/>
+                <a:shade val="100000"/>
+              </a:schemeClr>
+            </a:gs>
+            <a:gs pos="100000">
+              <a:schemeClr val="phClr">
+                <a:lumMod val="99000"/>
+                <a:satMod val="120000"/>
+                <a:shade val="78000"/>
+              </a:schemeClr>
+            </a:gs>
+          </a:gsLst>
+          <a:lin ang="5400000" scaled="0"/>
         </a:gradFill>
       </a:fillStyleLst>
       <a:lnStyleLst>
-        <a:ln w="9525" cap="flat" cmpd="sng" algn="ctr">
+        <a:ln w="6350" cap="flat" cmpd="sng" algn="ctr">
           <a:solidFill>
             <a:schemeClr val="phClr"/>
           </a:solidFill>
           <a:prstDash val="solid"/>
+          <a:miter lim="800000"/>
         </a:ln>
         <a:ln w="12700" cap="flat" cmpd="sng" algn="ctr">
           <a:solidFill>
             <a:schemeClr val="phClr"/>
           </a:solidFill>
           <a:prstDash val="solid"/>
+          <a:miter lim="800000"/>
         </a:ln>
         <a:ln w="19050" cap="flat" cmpd="sng" algn="ctr">
           <a:solidFill>
-            <a:schemeClr val="phClr">
-              <a:tint val="50000"/>
-              <a:shade val="83000"/>
-            </a:schemeClr>
+            <a:schemeClr val="phClr"/>
           </a:solidFill>
           <a:prstDash val="solid"/>
+          <a:miter lim="800000"/>
         </a:ln>
       </a:lnStyleLst>
       <a:effectStyleLst>
@@ -8862,9 +11021,9 @@
         </a:effectStyle>
         <a:effectStyle>
           <a:effectLst>
-            <a:outerShdw blurRad="57150" dist="25400" dir="5400000" algn="ctr" rotWithShape="0">
+            <a:outerShdw blurRad="57150" dist="19050" dir="5400000" algn="ctr" rotWithShape="0">
               <a:srgbClr val="000000">
-                <a:alpha val="20000"/>
+                <a:alpha val="63000"/>
               </a:srgbClr>
             </a:outerShdw>
           </a:effectLst>
